--- a/presentations/FinalPresentation_Comparative Analysis of Denoising Autoencoder and Convolutional Neural Networks for MNIST Classification.pptx
+++ b/presentations/FinalPresentation_Comparative Analysis of Denoising Autoencoder and Convolutional Neural Networks for MNIST Classification.pptx
@@ -17,23 +17,26 @@
     <p:sldId id="262" r:id="rId13"/>
     <p:sldId id="263" r:id="rId14"/>
     <p:sldId id="264" r:id="rId15"/>
+    <p:sldId id="265" r:id="rId16"/>
+    <p:sldId id="266" r:id="rId17"/>
+    <p:sldId id="267" r:id="rId18"/>
   </p:sldIdLst>
   <p:sldSz cy="5143500" cx="9144000"/>
   <p:notesSz cx="6858000" cy="9144000"/>
   <p:embeddedFontLst>
     <p:embeddedFont>
       <p:font typeface="Roboto"/>
-      <p:regular r:id="rId16"/>
-      <p:bold r:id="rId17"/>
-      <p:italic r:id="rId18"/>
-      <p:boldItalic r:id="rId19"/>
+      <p:regular r:id="rId19"/>
+      <p:bold r:id="rId20"/>
+      <p:italic r:id="rId21"/>
+      <p:boldItalic r:id="rId22"/>
     </p:embeddedFont>
     <p:embeddedFont>
       <p:font typeface="Merriweather"/>
-      <p:regular r:id="rId20"/>
-      <p:bold r:id="rId21"/>
-      <p:italic r:id="rId22"/>
-      <p:boldItalic r:id="rId23"/>
+      <p:regular r:id="rId23"/>
+      <p:bold r:id="rId24"/>
+      <p:italic r:id="rId25"/>
+      <p:boldItalic r:id="rId26"/>
     </p:embeddedFont>
   </p:embeddedFontLst>
   <p:defaultTextStyle>
@@ -809,6 +812,303 @@
 </p:notes>
 </file>
 
+<file path=ppt/notesSlides/notesSlide10.xml><?xml version="1.0" encoding="utf-8"?>
+<p:notes xmlns:a="http://schemas.openxmlformats.org/drawingml/2006/main" xmlns:r="http://schemas.openxmlformats.org/officeDocument/2006/relationships" xmlns:mc="http://schemas.openxmlformats.org/markup-compatibility/2006" xmlns:mv="urn:schemas-microsoft-com:mac:vml" xmlns:p="http://schemas.openxmlformats.org/presentationml/2006/main" xmlns:c="http://schemas.openxmlformats.org/drawingml/2006/chart" xmlns:dgm="http://schemas.openxmlformats.org/drawingml/2006/diagram" xmlns:o="urn:schemas-microsoft-com:office:office" xmlns:v="urn:schemas-microsoft-com:vml" xmlns:pvml="urn:schemas-microsoft-com:office:powerpoint" xmlns:com="http://schemas.openxmlformats.org/drawingml/2006/compatibility" xmlns:p14="http://schemas.microsoft.com/office/powerpoint/2010/main" xmlns:p15="http://schemas.microsoft.com/office/powerpoint/2012/main" xmlns:ahyp="http://schemas.microsoft.com/office/drawing/2018/hyperlinkcolor" showMasterPhAnim="0" showMasterSp="0">
+  <p:cSld>
+    <p:spTree>
+      <p:nvGrpSpPr>
+        <p:cNvPr id="116" name="Shape 116"/>
+        <p:cNvGrpSpPr/>
+        <p:nvPr/>
+      </p:nvGrpSpPr>
+      <p:grpSpPr>
+        <a:xfrm>
+          <a:off x="0" y="0"/>
+          <a:ext cx="0" cy="0"/>
+          <a:chOff x="0" y="0"/>
+          <a:chExt cx="0" cy="0"/>
+        </a:xfrm>
+      </p:grpSpPr>
+      <p:sp>
+        <p:nvSpPr>
+          <p:cNvPr id="117" name="Google Shape;117;g26fb2e33370_0_148:notes"/>
+          <p:cNvSpPr/>
+          <p:nvPr>
+            <p:ph idx="2" type="sldImg"/>
+          </p:nvPr>
+        </p:nvSpPr>
+        <p:spPr>
+          <a:xfrm>
+            <a:off x="381300" y="685800"/>
+            <a:ext cx="6096000" cy="3429000"/>
+          </a:xfrm>
+          <a:custGeom>
+            <a:rect b="b" l="l" r="r" t="t"/>
+            <a:pathLst>
+              <a:path extrusionOk="0" h="120000" w="120000">
+                <a:moveTo>
+                  <a:pt x="0" y="0"/>
+                </a:moveTo>
+                <a:lnTo>
+                  <a:pt x="120000" y="0"/>
+                </a:lnTo>
+                <a:lnTo>
+                  <a:pt x="120000" y="120000"/>
+                </a:lnTo>
+                <a:lnTo>
+                  <a:pt x="0" y="120000"/>
+                </a:lnTo>
+                <a:close/>
+              </a:path>
+            </a:pathLst>
+          </a:custGeom>
+        </p:spPr>
+      </p:sp>
+      <p:sp>
+        <p:nvSpPr>
+          <p:cNvPr id="118" name="Google Shape;118;g26fb2e33370_0_148:notes"/>
+          <p:cNvSpPr txBox="1"/>
+          <p:nvPr>
+            <p:ph idx="1" type="body"/>
+          </p:nvPr>
+        </p:nvSpPr>
+        <p:spPr>
+          <a:xfrm>
+            <a:off x="685800" y="4343400"/>
+            <a:ext cx="5486400" cy="4114800"/>
+          </a:xfrm>
+          <a:prstGeom prst="rect">
+            <a:avLst/>
+          </a:prstGeom>
+        </p:spPr>
+        <p:txBody>
+          <a:bodyPr anchorCtr="0" anchor="t" bIns="91425" lIns="91425" spcFirstLastPara="1" rIns="91425" wrap="square" tIns="91425">
+            <a:noAutofit/>
+          </a:bodyPr>
+          <a:lstStyle/>
+          <a:p>
+            <a:pPr indent="0" lvl="0" marL="0" rtl="0" algn="l">
+              <a:spcBef>
+                <a:spcPts val="0"/>
+              </a:spcBef>
+              <a:spcAft>
+                <a:spcPts val="0"/>
+              </a:spcAft>
+              <a:buNone/>
+            </a:pPr>
+            <a:r>
+              <a:t/>
+            </a:r>
+            <a:endParaRPr/>
+          </a:p>
+        </p:txBody>
+      </p:sp>
+    </p:spTree>
+  </p:cSld>
+  <p:clrMapOvr>
+    <a:masterClrMapping/>
+  </p:clrMapOvr>
+</p:notes>
+</file>
+
+<file path=ppt/notesSlides/notesSlide11.xml><?xml version="1.0" encoding="utf-8"?>
+<p:notes xmlns:a="http://schemas.openxmlformats.org/drawingml/2006/main" xmlns:r="http://schemas.openxmlformats.org/officeDocument/2006/relationships" xmlns:mc="http://schemas.openxmlformats.org/markup-compatibility/2006" xmlns:mv="urn:schemas-microsoft-com:mac:vml" xmlns:p="http://schemas.openxmlformats.org/presentationml/2006/main" xmlns:c="http://schemas.openxmlformats.org/drawingml/2006/chart" xmlns:dgm="http://schemas.openxmlformats.org/drawingml/2006/diagram" xmlns:o="urn:schemas-microsoft-com:office:office" xmlns:v="urn:schemas-microsoft-com:vml" xmlns:pvml="urn:schemas-microsoft-com:office:powerpoint" xmlns:com="http://schemas.openxmlformats.org/drawingml/2006/compatibility" xmlns:p14="http://schemas.microsoft.com/office/powerpoint/2010/main" xmlns:p15="http://schemas.microsoft.com/office/powerpoint/2012/main" xmlns:ahyp="http://schemas.microsoft.com/office/drawing/2018/hyperlinkcolor" showMasterPhAnim="0" showMasterSp="0">
+  <p:cSld>
+    <p:spTree>
+      <p:nvGrpSpPr>
+        <p:cNvPr id="122" name="Shape 122"/>
+        <p:cNvGrpSpPr/>
+        <p:nvPr/>
+      </p:nvGrpSpPr>
+      <p:grpSpPr>
+        <a:xfrm>
+          <a:off x="0" y="0"/>
+          <a:ext cx="0" cy="0"/>
+          <a:chOff x="0" y="0"/>
+          <a:chExt cx="0" cy="0"/>
+        </a:xfrm>
+      </p:grpSpPr>
+      <p:sp>
+        <p:nvSpPr>
+          <p:cNvPr id="123" name="Google Shape;123;g26fb2e33370_0_131:notes"/>
+          <p:cNvSpPr/>
+          <p:nvPr>
+            <p:ph idx="2" type="sldImg"/>
+          </p:nvPr>
+        </p:nvSpPr>
+        <p:spPr>
+          <a:xfrm>
+            <a:off x="381300" y="685800"/>
+            <a:ext cx="6096000" cy="3429000"/>
+          </a:xfrm>
+          <a:custGeom>
+            <a:rect b="b" l="l" r="r" t="t"/>
+            <a:pathLst>
+              <a:path extrusionOk="0" h="120000" w="120000">
+                <a:moveTo>
+                  <a:pt x="0" y="0"/>
+                </a:moveTo>
+                <a:lnTo>
+                  <a:pt x="120000" y="0"/>
+                </a:lnTo>
+                <a:lnTo>
+                  <a:pt x="120000" y="120000"/>
+                </a:lnTo>
+                <a:lnTo>
+                  <a:pt x="0" y="120000"/>
+                </a:lnTo>
+                <a:close/>
+              </a:path>
+            </a:pathLst>
+          </a:custGeom>
+        </p:spPr>
+      </p:sp>
+      <p:sp>
+        <p:nvSpPr>
+          <p:cNvPr id="124" name="Google Shape;124;g26fb2e33370_0_131:notes"/>
+          <p:cNvSpPr txBox="1"/>
+          <p:nvPr>
+            <p:ph idx="1" type="body"/>
+          </p:nvPr>
+        </p:nvSpPr>
+        <p:spPr>
+          <a:xfrm>
+            <a:off x="685800" y="4343400"/>
+            <a:ext cx="5486400" cy="4114800"/>
+          </a:xfrm>
+          <a:prstGeom prst="rect">
+            <a:avLst/>
+          </a:prstGeom>
+        </p:spPr>
+        <p:txBody>
+          <a:bodyPr anchorCtr="0" anchor="t" bIns="91425" lIns="91425" spcFirstLastPara="1" rIns="91425" wrap="square" tIns="91425">
+            <a:noAutofit/>
+          </a:bodyPr>
+          <a:lstStyle/>
+          <a:p>
+            <a:pPr indent="0" lvl="0" marL="0" rtl="0" algn="l">
+              <a:spcBef>
+                <a:spcPts val="0"/>
+              </a:spcBef>
+              <a:spcAft>
+                <a:spcPts val="0"/>
+              </a:spcAft>
+              <a:buNone/>
+            </a:pPr>
+            <a:r>
+              <a:t/>
+            </a:r>
+            <a:endParaRPr/>
+          </a:p>
+        </p:txBody>
+      </p:sp>
+    </p:spTree>
+  </p:cSld>
+  <p:clrMapOvr>
+    <a:masterClrMapping/>
+  </p:clrMapOvr>
+</p:notes>
+</file>
+
+<file path=ppt/notesSlides/notesSlide12.xml><?xml version="1.0" encoding="utf-8"?>
+<p:notes xmlns:a="http://schemas.openxmlformats.org/drawingml/2006/main" xmlns:r="http://schemas.openxmlformats.org/officeDocument/2006/relationships" xmlns:mc="http://schemas.openxmlformats.org/markup-compatibility/2006" xmlns:mv="urn:schemas-microsoft-com:mac:vml" xmlns:p="http://schemas.openxmlformats.org/presentationml/2006/main" xmlns:c="http://schemas.openxmlformats.org/drawingml/2006/chart" xmlns:dgm="http://schemas.openxmlformats.org/drawingml/2006/diagram" xmlns:o="urn:schemas-microsoft-com:office:office" xmlns:v="urn:schemas-microsoft-com:vml" xmlns:pvml="urn:schemas-microsoft-com:office:powerpoint" xmlns:com="http://schemas.openxmlformats.org/drawingml/2006/compatibility" xmlns:p14="http://schemas.microsoft.com/office/powerpoint/2010/main" xmlns:p15="http://schemas.microsoft.com/office/powerpoint/2012/main" xmlns:ahyp="http://schemas.microsoft.com/office/drawing/2018/hyperlinkcolor" showMasterPhAnim="0" showMasterSp="0">
+  <p:cSld>
+    <p:spTree>
+      <p:nvGrpSpPr>
+        <p:cNvPr id="128" name="Shape 128"/>
+        <p:cNvGrpSpPr/>
+        <p:nvPr/>
+      </p:nvGrpSpPr>
+      <p:grpSpPr>
+        <a:xfrm>
+          <a:off x="0" y="0"/>
+          <a:ext cx="0" cy="0"/>
+          <a:chOff x="0" y="0"/>
+          <a:chExt cx="0" cy="0"/>
+        </a:xfrm>
+      </p:grpSpPr>
+      <p:sp>
+        <p:nvSpPr>
+          <p:cNvPr id="129" name="Google Shape;129;g26fb2e33370_0_138:notes"/>
+          <p:cNvSpPr/>
+          <p:nvPr>
+            <p:ph idx="2" type="sldImg"/>
+          </p:nvPr>
+        </p:nvSpPr>
+        <p:spPr>
+          <a:xfrm>
+            <a:off x="381300" y="685800"/>
+            <a:ext cx="6096000" cy="3429000"/>
+          </a:xfrm>
+          <a:custGeom>
+            <a:rect b="b" l="l" r="r" t="t"/>
+            <a:pathLst>
+              <a:path extrusionOk="0" h="120000" w="120000">
+                <a:moveTo>
+                  <a:pt x="0" y="0"/>
+                </a:moveTo>
+                <a:lnTo>
+                  <a:pt x="120000" y="0"/>
+                </a:lnTo>
+                <a:lnTo>
+                  <a:pt x="120000" y="120000"/>
+                </a:lnTo>
+                <a:lnTo>
+                  <a:pt x="0" y="120000"/>
+                </a:lnTo>
+                <a:close/>
+              </a:path>
+            </a:pathLst>
+          </a:custGeom>
+        </p:spPr>
+      </p:sp>
+      <p:sp>
+        <p:nvSpPr>
+          <p:cNvPr id="130" name="Google Shape;130;g26fb2e33370_0_138:notes"/>
+          <p:cNvSpPr txBox="1"/>
+          <p:nvPr>
+            <p:ph idx="1" type="body"/>
+          </p:nvPr>
+        </p:nvSpPr>
+        <p:spPr>
+          <a:xfrm>
+            <a:off x="685800" y="4343400"/>
+            <a:ext cx="5486400" cy="4114800"/>
+          </a:xfrm>
+          <a:prstGeom prst="rect">
+            <a:avLst/>
+          </a:prstGeom>
+        </p:spPr>
+        <p:txBody>
+          <a:bodyPr anchorCtr="0" anchor="t" bIns="91425" lIns="91425" spcFirstLastPara="1" rIns="91425" wrap="square" tIns="91425">
+            <a:noAutofit/>
+          </a:bodyPr>
+          <a:lstStyle/>
+          <a:p>
+            <a:pPr indent="0" lvl="0" marL="0" rtl="0" algn="l">
+              <a:spcBef>
+                <a:spcPts val="0"/>
+              </a:spcBef>
+              <a:spcAft>
+                <a:spcPts val="0"/>
+              </a:spcAft>
+              <a:buNone/>
+            </a:pPr>
+            <a:r>
+              <a:t/>
+            </a:r>
+            <a:endParaRPr/>
+          </a:p>
+        </p:txBody>
+      </p:sp>
+    </p:spTree>
+  </p:cSld>
+  <p:clrMapOvr>
+    <a:masterClrMapping/>
+  </p:clrMapOvr>
+</p:notes>
+</file>
+
 <file path=ppt/notesSlides/notesSlide2.xml><?xml version="1.0" encoding="utf-8"?>
 <p:notes xmlns:a="http://schemas.openxmlformats.org/drawingml/2006/main" xmlns:r="http://schemas.openxmlformats.org/officeDocument/2006/relationships" xmlns:mc="http://schemas.openxmlformats.org/markup-compatibility/2006" xmlns:mv="urn:schemas-microsoft-com:mac:vml" xmlns:p="http://schemas.openxmlformats.org/presentationml/2006/main" xmlns:c="http://schemas.openxmlformats.org/drawingml/2006/chart" xmlns:dgm="http://schemas.openxmlformats.org/drawingml/2006/diagram" xmlns:o="urn:schemas-microsoft-com:office:office" xmlns:v="urn:schemas-microsoft-com:vml" xmlns:pvml="urn:schemas-microsoft-com:office:powerpoint" xmlns:com="http://schemas.openxmlformats.org/drawingml/2006/compatibility" xmlns:p14="http://schemas.microsoft.com/office/powerpoint/2010/main" xmlns:p15="http://schemas.microsoft.com/office/powerpoint/2012/main" xmlns:ahyp="http://schemas.microsoft.com/office/drawing/2018/hyperlinkcolor" showMasterPhAnim="0" showMasterSp="0">
   <p:cSld>
@@ -1224,7 +1524,7 @@
       </p:grpSpPr>
       <p:sp>
         <p:nvSpPr>
-          <p:cNvPr id="91" name="Google Shape;91;g26fb2e33370_0_122:notes"/>
+          <p:cNvPr id="91" name="Google Shape;91;g26fd26a3317_0_0:notes"/>
           <p:cNvSpPr/>
           <p:nvPr>
             <p:ph idx="2" type="sldImg"/>
@@ -1259,7 +1559,7 @@
       </p:sp>
       <p:sp>
         <p:nvSpPr>
-          <p:cNvPr id="92" name="Google Shape;92;g26fb2e33370_0_122:notes"/>
+          <p:cNvPr id="92" name="Google Shape;92;g26fd26a3317_0_0:notes"/>
           <p:cNvSpPr txBox="1"/>
           <p:nvPr>
             <p:ph idx="1" type="body"/>
@@ -1309,7 +1609,7 @@
   <p:cSld>
     <p:spTree>
       <p:nvGrpSpPr>
-        <p:cNvPr id="96" name="Shape 96"/>
+        <p:cNvPr id="97" name="Shape 97"/>
         <p:cNvGrpSpPr/>
         <p:nvPr/>
       </p:nvGrpSpPr>
@@ -1323,7 +1623,7 @@
       </p:grpSpPr>
       <p:sp>
         <p:nvSpPr>
-          <p:cNvPr id="97" name="Google Shape;97;g26fb2e33370_0_148:notes"/>
+          <p:cNvPr id="98" name="Google Shape;98;g26fd26a3317_0_6:notes"/>
           <p:cNvSpPr/>
           <p:nvPr>
             <p:ph idx="2" type="sldImg"/>
@@ -1358,7 +1658,7 @@
       </p:sp>
       <p:sp>
         <p:nvSpPr>
-          <p:cNvPr id="98" name="Google Shape;98;g26fb2e33370_0_148:notes"/>
+          <p:cNvPr id="99" name="Google Shape;99;g26fd26a3317_0_6:notes"/>
           <p:cNvSpPr txBox="1"/>
           <p:nvPr>
             <p:ph idx="1" type="body"/>
@@ -1408,7 +1708,7 @@
   <p:cSld>
     <p:spTree>
       <p:nvGrpSpPr>
-        <p:cNvPr id="102" name="Shape 102"/>
+        <p:cNvPr id="104" name="Shape 104"/>
         <p:cNvGrpSpPr/>
         <p:nvPr/>
       </p:nvGrpSpPr>
@@ -1422,7 +1722,7 @@
       </p:grpSpPr>
       <p:sp>
         <p:nvSpPr>
-          <p:cNvPr id="103" name="Google Shape;103;g26fb2e33370_0_131:notes"/>
+          <p:cNvPr id="105" name="Google Shape;105;g26fd26a3317_0_17:notes"/>
           <p:cNvSpPr/>
           <p:nvPr>
             <p:ph idx="2" type="sldImg"/>
@@ -1457,7 +1757,7 @@
       </p:sp>
       <p:sp>
         <p:nvSpPr>
-          <p:cNvPr id="104" name="Google Shape;104;g26fb2e33370_0_131:notes"/>
+          <p:cNvPr id="106" name="Google Shape;106;g26fd26a3317_0_17:notes"/>
           <p:cNvSpPr txBox="1"/>
           <p:nvPr>
             <p:ph idx="1" type="body"/>
@@ -1507,7 +1807,7 @@
   <p:cSld>
     <p:spTree>
       <p:nvGrpSpPr>
-        <p:cNvPr id="108" name="Shape 108"/>
+        <p:cNvPr id="110" name="Shape 110"/>
         <p:cNvGrpSpPr/>
         <p:nvPr/>
       </p:nvGrpSpPr>
@@ -1521,7 +1821,7 @@
       </p:grpSpPr>
       <p:sp>
         <p:nvSpPr>
-          <p:cNvPr id="109" name="Google Shape;109;g26fb2e33370_0_138:notes"/>
+          <p:cNvPr id="111" name="Google Shape;111;g26fb2e33370_0_122:notes"/>
           <p:cNvSpPr/>
           <p:nvPr>
             <p:ph idx="2" type="sldImg"/>
@@ -1556,7 +1856,7 @@
       </p:sp>
       <p:sp>
         <p:nvSpPr>
-          <p:cNvPr id="110" name="Google Shape;110;g26fb2e33370_0_138:notes"/>
+          <p:cNvPr id="112" name="Google Shape;112;g26fb2e33370_0_122:notes"/>
           <p:cNvSpPr txBox="1"/>
           <p:nvPr>
             <p:ph idx="1" type="body"/>
@@ -7776,6 +8076,459 @@
 </p:sld>
 </file>
 
+<file path=ppt/slides/slide10.xml><?xml version="1.0" encoding="utf-8"?>
+<p:sld xmlns:a="http://schemas.openxmlformats.org/drawingml/2006/main" xmlns:r="http://schemas.openxmlformats.org/officeDocument/2006/relationships" xmlns:mc="http://schemas.openxmlformats.org/markup-compatibility/2006" xmlns:mv="urn:schemas-microsoft-com:mac:vml" xmlns:p="http://schemas.openxmlformats.org/presentationml/2006/main" xmlns:c="http://schemas.openxmlformats.org/drawingml/2006/chart" xmlns:dgm="http://schemas.openxmlformats.org/drawingml/2006/diagram" xmlns:o="urn:schemas-microsoft-com:office:office" xmlns:v="urn:schemas-microsoft-com:vml" xmlns:pvml="urn:schemas-microsoft-com:office:powerpoint" xmlns:com="http://schemas.openxmlformats.org/drawingml/2006/compatibility" xmlns:p14="http://schemas.microsoft.com/office/powerpoint/2010/main" xmlns:p15="http://schemas.microsoft.com/office/powerpoint/2012/main" xmlns:ahyp="http://schemas.microsoft.com/office/drawing/2018/hyperlinkcolor">
+  <p:cSld>
+    <p:spTree>
+      <p:nvGrpSpPr>
+        <p:cNvPr id="119" name="Shape 119"/>
+        <p:cNvGrpSpPr/>
+        <p:nvPr/>
+      </p:nvGrpSpPr>
+      <p:grpSpPr>
+        <a:xfrm>
+          <a:off x="0" y="0"/>
+          <a:ext cx="0" cy="0"/>
+          <a:chOff x="0" y="0"/>
+          <a:chExt cx="0" cy="0"/>
+        </a:xfrm>
+      </p:grpSpPr>
+      <p:sp>
+        <p:nvSpPr>
+          <p:cNvPr id="120" name="Google Shape;120;p22"/>
+          <p:cNvSpPr txBox="1"/>
+          <p:nvPr>
+            <p:ph type="title"/>
+          </p:nvPr>
+        </p:nvSpPr>
+        <p:spPr>
+          <a:xfrm>
+            <a:off x="311725" y="500925"/>
+            <a:ext cx="8520600" cy="623700"/>
+          </a:xfrm>
+          <a:prstGeom prst="rect">
+            <a:avLst/>
+          </a:prstGeom>
+        </p:spPr>
+        <p:txBody>
+          <a:bodyPr anchorCtr="0" anchor="t" bIns="91425" lIns="91425" spcFirstLastPara="1" rIns="91425" wrap="square" tIns="91425">
+            <a:normAutofit/>
+          </a:bodyPr>
+          <a:lstStyle/>
+          <a:p>
+            <a:pPr indent="0" lvl="0" marL="0" rtl="0" algn="l">
+              <a:spcBef>
+                <a:spcPts val="0"/>
+              </a:spcBef>
+              <a:spcAft>
+                <a:spcPts val="0"/>
+              </a:spcAft>
+              <a:buNone/>
+            </a:pPr>
+            <a:r>
+              <a:rPr lang="en"/>
+              <a:t>Next Steps</a:t>
+            </a:r>
+            <a:endParaRPr/>
+          </a:p>
+        </p:txBody>
+      </p:sp>
+      <p:graphicFrame>
+        <p:nvGraphicFramePr>
+          <p:cNvPr id="121" name="Google Shape;121;p22"/>
+          <p:cNvGraphicFramePr/>
+          <p:nvPr/>
+        </p:nvGraphicFramePr>
+        <p:xfrm>
+          <a:off x="952500" y="1473975"/>
+          <a:ext cx="3000000" cy="3000000"/>
+        </p:xfrm>
+        <a:graphic>
+          <a:graphicData uri="http://schemas.openxmlformats.org/drawingml/2006/table">
+            <a:tbl>
+              <a:tblPr>
+                <a:noFill/>
+                <a:tableStyleId>{A69AAE71-73FB-41C1-B64A-8C24FD021372}</a:tableStyleId>
+              </a:tblPr>
+              <a:tblGrid>
+                <a:gridCol w="7239000"/>
+              </a:tblGrid>
+              <a:tr h="347325">
+                <a:tc>
+                  <a:txBody>
+                    <a:bodyPr/>
+                    <a:lstStyle/>
+                    <a:p>
+                      <a:pPr indent="0" lvl="0" marL="0" rtl="0" algn="l">
+                        <a:spcBef>
+                          <a:spcPts val="0"/>
+                        </a:spcBef>
+                        <a:spcAft>
+                          <a:spcPts val="0"/>
+                        </a:spcAft>
+                        <a:buNone/>
+                      </a:pPr>
+                      <a:r>
+                        <a:rPr b="1" lang="en" sz="1300"/>
+                        <a:t>Enhancing DAEs:</a:t>
+                      </a:r>
+                      <a:r>
+                        <a:rPr lang="en" sz="1300"/>
+                        <a:t> Investigate advanced techniques to improve DAE performance in high noise environments, such as integrating more complex noise models or using hybrid systems.</a:t>
+                      </a:r>
+                      <a:endParaRPr sz="1300"/>
+                    </a:p>
+                  </a:txBody>
+                  <a:tcPr marT="91425" marB="91425" marR="91425" marL="91425">
+                    <a:solidFill>
+                      <a:srgbClr val="B7B7B7"/>
+                    </a:solidFill>
+                  </a:tcPr>
+                </a:tc>
+              </a:tr>
+              <a:tr h="347325">
+                <a:tc>
+                  <a:txBody>
+                    <a:bodyPr/>
+                    <a:lstStyle/>
+                    <a:p>
+                      <a:pPr indent="0" lvl="0" marL="0" rtl="0" algn="l">
+                        <a:spcBef>
+                          <a:spcPts val="0"/>
+                        </a:spcBef>
+                        <a:spcAft>
+                          <a:spcPts val="0"/>
+                        </a:spcAft>
+                        <a:buNone/>
+                      </a:pPr>
+                      <a:r>
+                        <a:rPr b="1" lang="en" sz="1300"/>
+                        <a:t>Robustness to Diverse Noises:</a:t>
+                      </a:r>
+                      <a:r>
+                        <a:rPr lang="en" sz="1300"/>
+                        <a:t> Extend research to include other types of real-world noise, like salt-and-pepper or speckle noise, to further test model resilience.</a:t>
+                      </a:r>
+                      <a:endParaRPr sz="1300"/>
+                    </a:p>
+                  </a:txBody>
+                  <a:tcPr marT="91425" marB="91425" marR="91425" marL="91425">
+                    <a:solidFill>
+                      <a:srgbClr val="CCCCCC"/>
+                    </a:solidFill>
+                  </a:tcPr>
+                </a:tc>
+              </a:tr>
+              <a:tr h="347325">
+                <a:tc>
+                  <a:txBody>
+                    <a:bodyPr/>
+                    <a:lstStyle/>
+                    <a:p>
+                      <a:pPr indent="0" lvl="0" marL="0" rtl="0" algn="l">
+                        <a:spcBef>
+                          <a:spcPts val="0"/>
+                        </a:spcBef>
+                        <a:spcAft>
+                          <a:spcPts val="0"/>
+                        </a:spcAft>
+                        <a:buNone/>
+                      </a:pPr>
+                      <a:r>
+                        <a:rPr b="1" lang="en" sz="1300"/>
+                        <a:t>CNN Adjustments:</a:t>
+                      </a:r>
+                      <a:r>
+                        <a:rPr lang="en" sz="1300"/>
+                        <a:t> Explore deeper architectures or adaptive noise filtering layers to further boost CNN resistance to noise.</a:t>
+                      </a:r>
+                      <a:endParaRPr sz="1300"/>
+                    </a:p>
+                  </a:txBody>
+                  <a:tcPr marT="91425" marB="91425" marR="91425" marL="91425">
+                    <a:solidFill>
+                      <a:srgbClr val="B7B7B7"/>
+                    </a:solidFill>
+                  </a:tcPr>
+                </a:tc>
+              </a:tr>
+              <a:tr h="347325">
+                <a:tc>
+                  <a:txBody>
+                    <a:bodyPr/>
+                    <a:lstStyle/>
+                    <a:p>
+                      <a:pPr indent="0" lvl="0" marL="0" rtl="0" algn="l">
+                        <a:spcBef>
+                          <a:spcPts val="0"/>
+                        </a:spcBef>
+                        <a:spcAft>
+                          <a:spcPts val="0"/>
+                        </a:spcAft>
+                        <a:buNone/>
+                      </a:pPr>
+                      <a:r>
+                        <a:rPr b="1" lang="en" sz="1300"/>
+                        <a:t>Hybrid Models:</a:t>
+                      </a:r>
+                      <a:r>
+                        <a:rPr lang="en" sz="1300"/>
+                        <a:t> Develop combined CNN-DAE models to utilize CNN's classification strength and DAE's denoising capabilities, potentially offering the best of both worlds.</a:t>
+                      </a:r>
+                      <a:endParaRPr sz="1300"/>
+                    </a:p>
+                  </a:txBody>
+                  <a:tcPr marT="91425" marB="91425" marR="91425" marL="91425">
+                    <a:solidFill>
+                      <a:srgbClr val="CCCCCC"/>
+                    </a:solidFill>
+                  </a:tcPr>
+                </a:tc>
+              </a:tr>
+              <a:tr h="347325">
+                <a:tc>
+                  <a:txBody>
+                    <a:bodyPr/>
+                    <a:lstStyle/>
+                    <a:p>
+                      <a:pPr indent="0" lvl="0" marL="0" rtl="0" algn="l">
+                        <a:spcBef>
+                          <a:spcPts val="0"/>
+                        </a:spcBef>
+                        <a:spcAft>
+                          <a:spcPts val="0"/>
+                        </a:spcAft>
+                        <a:buNone/>
+                      </a:pPr>
+                      <a:r>
+                        <a:rPr b="1" lang="en" sz="1300"/>
+                        <a:t>Data Augmentation:</a:t>
+                      </a:r>
+                      <a:r>
+                        <a:rPr lang="en" sz="1300"/>
+                        <a:t> Utilize more sophisticated data augmentation strategies to simulate a broader range of noise impacts during training.</a:t>
+                      </a:r>
+                      <a:endParaRPr sz="1300"/>
+                    </a:p>
+                  </a:txBody>
+                  <a:tcPr marT="91425" marB="91425" marR="91425" marL="91425">
+                    <a:solidFill>
+                      <a:srgbClr val="B7B7B7"/>
+                    </a:solidFill>
+                  </a:tcPr>
+                </a:tc>
+              </a:tr>
+              <a:tr h="347325">
+                <a:tc>
+                  <a:txBody>
+                    <a:bodyPr/>
+                    <a:lstStyle/>
+                    <a:p>
+                      <a:pPr indent="0" lvl="0" marL="0" rtl="0" algn="l">
+                        <a:spcBef>
+                          <a:spcPts val="0"/>
+                        </a:spcBef>
+                        <a:spcAft>
+                          <a:spcPts val="0"/>
+                        </a:spcAft>
+                        <a:buNone/>
+                      </a:pPr>
+                      <a:r>
+                        <a:rPr b="1" lang="en" sz="1300"/>
+                        <a:t>Algorithm Optimization:</a:t>
+                      </a:r>
+                      <a:r>
+                        <a:rPr lang="en" sz="1300"/>
+                        <a:t> Employ newer optimization algorithms that may provide more robust convergence in noisy environments.</a:t>
+                      </a:r>
+                      <a:endParaRPr sz="1300"/>
+                    </a:p>
+                  </a:txBody>
+                  <a:tcPr marT="91425" marB="91425" marR="91425" marL="91425">
+                    <a:solidFill>
+                      <a:srgbClr val="CCCCCC"/>
+                    </a:solidFill>
+                  </a:tcPr>
+                </a:tc>
+              </a:tr>
+            </a:tbl>
+          </a:graphicData>
+        </a:graphic>
+      </p:graphicFrame>
+    </p:spTree>
+  </p:cSld>
+  <p:clrMapOvr>
+    <a:masterClrMapping/>
+  </p:clrMapOvr>
+</p:sld>
+</file>
+
+<file path=ppt/slides/slide11.xml><?xml version="1.0" encoding="utf-8"?>
+<p:sld xmlns:a="http://schemas.openxmlformats.org/drawingml/2006/main" xmlns:r="http://schemas.openxmlformats.org/officeDocument/2006/relationships" xmlns:mc="http://schemas.openxmlformats.org/markup-compatibility/2006" xmlns:mv="urn:schemas-microsoft-com:mac:vml" xmlns:p="http://schemas.openxmlformats.org/presentationml/2006/main" xmlns:c="http://schemas.openxmlformats.org/drawingml/2006/chart" xmlns:dgm="http://schemas.openxmlformats.org/drawingml/2006/diagram" xmlns:o="urn:schemas-microsoft-com:office:office" xmlns:v="urn:schemas-microsoft-com:vml" xmlns:pvml="urn:schemas-microsoft-com:office:powerpoint" xmlns:com="http://schemas.openxmlformats.org/drawingml/2006/compatibility" xmlns:p14="http://schemas.microsoft.com/office/powerpoint/2010/main" xmlns:p15="http://schemas.microsoft.com/office/powerpoint/2012/main" xmlns:ahyp="http://schemas.microsoft.com/office/drawing/2018/hyperlinkcolor">
+  <p:cSld>
+    <p:spTree>
+      <p:nvGrpSpPr>
+        <p:cNvPr id="125" name="Shape 125"/>
+        <p:cNvGrpSpPr/>
+        <p:nvPr/>
+      </p:nvGrpSpPr>
+      <p:grpSpPr>
+        <a:xfrm>
+          <a:off x="0" y="0"/>
+          <a:ext cx="0" cy="0"/>
+          <a:chOff x="0" y="0"/>
+          <a:chExt cx="0" cy="0"/>
+        </a:xfrm>
+      </p:grpSpPr>
+      <p:sp>
+        <p:nvSpPr>
+          <p:cNvPr id="126" name="Google Shape;126;p23"/>
+          <p:cNvSpPr txBox="1"/>
+          <p:nvPr>
+            <p:ph type="title"/>
+          </p:nvPr>
+        </p:nvSpPr>
+        <p:spPr>
+          <a:xfrm>
+            <a:off x="311725" y="500925"/>
+            <a:ext cx="8520600" cy="623700"/>
+          </a:xfrm>
+          <a:prstGeom prst="rect">
+            <a:avLst/>
+          </a:prstGeom>
+        </p:spPr>
+        <p:txBody>
+          <a:bodyPr anchorCtr="0" anchor="t" bIns="91425" lIns="91425" spcFirstLastPara="1" rIns="91425" wrap="square" tIns="91425">
+            <a:normAutofit/>
+          </a:bodyPr>
+          <a:lstStyle/>
+          <a:p>
+            <a:pPr indent="0" lvl="0" marL="0" rtl="0" algn="l">
+              <a:spcBef>
+                <a:spcPts val="0"/>
+              </a:spcBef>
+              <a:spcAft>
+                <a:spcPts val="0"/>
+              </a:spcAft>
+              <a:buNone/>
+            </a:pPr>
+            <a:r>
+              <a:rPr lang="en"/>
+              <a:t>Questions?</a:t>
+            </a:r>
+            <a:endParaRPr/>
+          </a:p>
+        </p:txBody>
+      </p:sp>
+      <p:pic>
+        <p:nvPicPr>
+          <p:cNvPr id="127" name="Google Shape;127;p23"/>
+          <p:cNvPicPr preferRelativeResize="0"/>
+          <p:nvPr/>
+        </p:nvPicPr>
+        <p:blipFill>
+          <a:blip r:embed="rId3">
+            <a:alphaModFix/>
+          </a:blip>
+          <a:stretch>
+            <a:fillRect/>
+          </a:stretch>
+        </p:blipFill>
+        <p:spPr>
+          <a:xfrm>
+            <a:off x="1585475" y="1738575"/>
+            <a:ext cx="5647701" cy="2763600"/>
+          </a:xfrm>
+          <a:prstGeom prst="rect">
+            <a:avLst/>
+          </a:prstGeom>
+          <a:noFill/>
+          <a:ln>
+            <a:noFill/>
+          </a:ln>
+        </p:spPr>
+      </p:pic>
+    </p:spTree>
+  </p:cSld>
+  <p:clrMapOvr>
+    <a:masterClrMapping/>
+  </p:clrMapOvr>
+</p:sld>
+</file>
+
+<file path=ppt/slides/slide12.xml><?xml version="1.0" encoding="utf-8"?>
+<p:sld xmlns:a="http://schemas.openxmlformats.org/drawingml/2006/main" xmlns:r="http://schemas.openxmlformats.org/officeDocument/2006/relationships" xmlns:mc="http://schemas.openxmlformats.org/markup-compatibility/2006" xmlns:mv="urn:schemas-microsoft-com:mac:vml" xmlns:p="http://schemas.openxmlformats.org/presentationml/2006/main" xmlns:c="http://schemas.openxmlformats.org/drawingml/2006/chart" xmlns:dgm="http://schemas.openxmlformats.org/drawingml/2006/diagram" xmlns:o="urn:schemas-microsoft-com:office:office" xmlns:v="urn:schemas-microsoft-com:vml" xmlns:pvml="urn:schemas-microsoft-com:office:powerpoint" xmlns:com="http://schemas.openxmlformats.org/drawingml/2006/compatibility" xmlns:p14="http://schemas.microsoft.com/office/powerpoint/2010/main" xmlns:p15="http://schemas.microsoft.com/office/powerpoint/2012/main" xmlns:ahyp="http://schemas.microsoft.com/office/drawing/2018/hyperlinkcolor">
+  <p:cSld>
+    <p:spTree>
+      <p:nvGrpSpPr>
+        <p:cNvPr id="131" name="Shape 131"/>
+        <p:cNvGrpSpPr/>
+        <p:nvPr/>
+      </p:nvGrpSpPr>
+      <p:grpSpPr>
+        <a:xfrm>
+          <a:off x="0" y="0"/>
+          <a:ext cx="0" cy="0"/>
+          <a:chOff x="0" y="0"/>
+          <a:chExt cx="0" cy="0"/>
+        </a:xfrm>
+      </p:grpSpPr>
+      <p:sp>
+        <p:nvSpPr>
+          <p:cNvPr id="132" name="Google Shape;132;p24"/>
+          <p:cNvSpPr txBox="1"/>
+          <p:nvPr>
+            <p:ph idx="1" type="body"/>
+          </p:nvPr>
+        </p:nvSpPr>
+        <p:spPr>
+          <a:xfrm>
+            <a:off x="389525" y="1865875"/>
+            <a:ext cx="8382600" cy="3012900"/>
+          </a:xfrm>
+          <a:prstGeom prst="rect">
+            <a:avLst/>
+          </a:prstGeom>
+        </p:spPr>
+        <p:txBody>
+          <a:bodyPr anchorCtr="0" anchor="t" bIns="91425" lIns="91425" spcFirstLastPara="1" rIns="91425" wrap="square" tIns="91425">
+            <a:normAutofit/>
+          </a:bodyPr>
+          <a:lstStyle/>
+          <a:p>
+            <a:pPr indent="0" lvl="0" marL="0" rtl="0" algn="ctr">
+              <a:spcBef>
+                <a:spcPts val="0"/>
+              </a:spcBef>
+              <a:spcAft>
+                <a:spcPts val="1200"/>
+              </a:spcAft>
+              <a:buNone/>
+            </a:pPr>
+            <a:r>
+              <a:rPr lang="en" sz="5000">
+                <a:solidFill>
+                  <a:schemeClr val="lt1"/>
+                </a:solidFill>
+              </a:rPr>
+              <a:t>Thank You</a:t>
+            </a:r>
+            <a:endParaRPr sz="5000">
+              <a:solidFill>
+                <a:schemeClr val="lt1"/>
+              </a:solidFill>
+            </a:endParaRPr>
+          </a:p>
+        </p:txBody>
+      </p:sp>
+    </p:spTree>
+  </p:cSld>
+  <p:clrMapOvr>
+    <a:masterClrMapping/>
+  </p:clrMapOvr>
+</p:sld>
+</file>
+
 <file path=ppt/slides/slide2.xml><?xml version="1.0" encoding="utf-8"?>
 <p:sld xmlns:a="http://schemas.openxmlformats.org/drawingml/2006/main" xmlns:r="http://schemas.openxmlformats.org/officeDocument/2006/relationships" xmlns:mc="http://schemas.openxmlformats.org/markup-compatibility/2006" xmlns:mv="urn:schemas-microsoft-com:mac:vml" xmlns:p="http://schemas.openxmlformats.org/presentationml/2006/main" xmlns:c="http://schemas.openxmlformats.org/drawingml/2006/chart" xmlns:dgm="http://schemas.openxmlformats.org/drawingml/2006/diagram" xmlns:o="urn:schemas-microsoft-com:office:office" xmlns:v="urn:schemas-microsoft-com:vml" xmlns:pvml="urn:schemas-microsoft-com:office:powerpoint" xmlns:com="http://schemas.openxmlformats.org/drawingml/2006/compatibility" xmlns:p14="http://schemas.microsoft.com/office/powerpoint/2010/main" xmlns:p15="http://schemas.microsoft.com/office/powerpoint/2012/main" xmlns:ahyp="http://schemas.microsoft.com/office/drawing/2018/hyperlinkcolor">
   <p:cSld>
@@ -7848,7 +8601,7 @@
             <a:tbl>
               <a:tblPr>
                 <a:noFill/>
-                <a:tableStyleId>{70FD5F5E-C9D5-43EF-8E80-72D7C6BDD3A2}</a:tableStyleId>
+                <a:tableStyleId>{A69AAE71-73FB-41C1-B64A-8C24FD021372}</a:tableStyleId>
               </a:tblPr>
               <a:tblGrid>
                 <a:gridCol w="1876300"/>
@@ -8166,7 +8919,7 @@
             <a:tbl>
               <a:tblPr>
                 <a:noFill/>
-                <a:tableStyleId>{70FD5F5E-C9D5-43EF-8E80-72D7C6BDD3A2}</a:tableStyleId>
+                <a:tableStyleId>{A69AAE71-73FB-41C1-B64A-8C24FD021372}</a:tableStyleId>
               </a:tblPr>
               <a:tblGrid>
                 <a:gridCol w="1671875"/>
@@ -8484,7 +9237,7 @@
             <a:tbl>
               <a:tblPr>
                 <a:noFill/>
-                <a:tableStyleId>{70FD5F5E-C9D5-43EF-8E80-72D7C6BDD3A2}</a:tableStyleId>
+                <a:tableStyleId>{A69AAE71-73FB-41C1-B64A-8C24FD021372}</a:tableStyleId>
               </a:tblPr>
               <a:tblGrid>
                 <a:gridCol w="1575025"/>
@@ -8563,6 +9316,80 @@
                       </a:pPr>
                       <a:r>
                         <a:rPr lang="en"/>
+                        <a:t>Noise Generation for Various Noise Levels</a:t>
+                      </a:r>
+                      <a:endParaRPr/>
+                    </a:p>
+                  </a:txBody>
+                  <a:tcPr marT="91425" marB="91425" marR="91425" marL="91425">
+                    <a:solidFill>
+                      <a:srgbClr val="CCCCCC"/>
+                    </a:solidFill>
+                  </a:tcPr>
+                </a:tc>
+                <a:tc>
+                  <a:txBody>
+                    <a:bodyPr/>
+                    <a:lstStyle/>
+                    <a:p>
+                      <a:pPr indent="-317500" lvl="0" marL="457200" rtl="0" algn="l">
+                        <a:spcBef>
+                          <a:spcPts val="0"/>
+                        </a:spcBef>
+                        <a:spcAft>
+                          <a:spcPts val="0"/>
+                        </a:spcAft>
+                        <a:buSzPts val="1400"/>
+                        <a:buChar char="●"/>
+                      </a:pPr>
+                      <a:r>
+                        <a:rPr lang="en"/>
+                        <a:t>Simulated real-world imperfections from low (0.05) to high (0.75) noise levels.</a:t>
+                      </a:r>
+                      <a:endParaRPr/>
+                    </a:p>
+                    <a:p>
+                      <a:pPr indent="-317500" lvl="0" marL="457200" rtl="0" algn="l">
+                        <a:spcBef>
+                          <a:spcPts val="0"/>
+                        </a:spcBef>
+                        <a:spcAft>
+                          <a:spcPts val="0"/>
+                        </a:spcAft>
+                        <a:buSzPts val="1400"/>
+                        <a:buChar char="●"/>
+                      </a:pPr>
+                      <a:r>
+                        <a:rPr lang="en"/>
+                        <a:t>Tested models' adaptability to progressively harsher environments.</a:t>
+                      </a:r>
+                      <a:endParaRPr/>
+                    </a:p>
+                  </a:txBody>
+                  <a:tcPr marT="91425" marB="91425" marR="91425" marL="91425">
+                    <a:solidFill>
+                      <a:srgbClr val="CCCCCC"/>
+                    </a:solidFill>
+                  </a:tcPr>
+                </a:tc>
+              </a:tr>
+              <a:tr h="632650">
+                <a:tc>
+                  <a:txBody>
+                    <a:bodyPr/>
+                    <a:lstStyle/>
+                    <a:p>
+                      <a:pPr indent="0" lvl="0" marL="0" rtl="0" algn="l">
+                        <a:spcBef>
+                          <a:spcPts val="0"/>
+                        </a:spcBef>
+                        <a:spcAft>
+                          <a:spcPts val="0"/>
+                        </a:spcAft>
+                        <a:buNone/>
+                      </a:pPr>
+                      <a:r>
+                        <a:rPr lang="en"/>
                         <a:t>Data Splitting</a:t>
                       </a:r>
                       <a:endParaRPr/>
@@ -8570,7 +9397,7 @@
                   </a:txBody>
                   <a:tcPr marT="91425" marB="91425" marR="91425" marL="91425">
                     <a:solidFill>
-                      <a:srgbClr val="CCCCCC"/>
+                      <a:srgbClr val="B7B7B7"/>
                     </a:solidFill>
                   </a:tcPr>
                 </a:tc>
@@ -8597,7 +9424,7 @@
                   </a:txBody>
                   <a:tcPr marT="91425" marB="91425" marR="91425" marL="91425">
                     <a:solidFill>
-                      <a:srgbClr val="CCCCCC"/>
+                      <a:srgbClr val="B7B7B7"/>
                     </a:solidFill>
                   </a:tcPr>
                 </a:tc>
@@ -8626,7 +9453,7 @@
                   </a:txBody>
                   <a:tcPr marT="91425" marB="91425" marR="91425" marL="91425">
                     <a:solidFill>
-                      <a:srgbClr val="B7B7B7"/>
+                      <a:srgbClr val="CCCCCC"/>
                     </a:solidFill>
                   </a:tcPr>
                 </a:tc>
@@ -8663,62 +9490,6 @@
                       <a:r>
                         <a:rPr lang="en"/>
                         <a:t>Denoising Autoencoders (DAEs). </a:t>
-                      </a:r>
-                      <a:endParaRPr/>
-                    </a:p>
-                  </a:txBody>
-                  <a:tcPr marT="91425" marB="91425" marR="91425" marL="91425">
-                    <a:solidFill>
-                      <a:srgbClr val="B7B7B7"/>
-                    </a:solidFill>
-                  </a:tcPr>
-                </a:tc>
-              </a:tr>
-              <a:tr h="1113375">
-                <a:tc>
-                  <a:txBody>
-                    <a:bodyPr/>
-                    <a:lstStyle/>
-                    <a:p>
-                      <a:pPr indent="0" lvl="0" marL="0" rtl="0" algn="l">
-                        <a:spcBef>
-                          <a:spcPts val="0"/>
-                        </a:spcBef>
-                        <a:spcAft>
-                          <a:spcPts val="0"/>
-                        </a:spcAft>
-                        <a:buNone/>
-                      </a:pPr>
-                      <a:r>
-                        <a:rPr lang="en"/>
-                        <a:t>Performance Evaluation</a:t>
-                      </a:r>
-                      <a:endParaRPr/>
-                    </a:p>
-                  </a:txBody>
-                  <a:tcPr marT="91425" marB="91425" marR="91425" marL="91425">
-                    <a:solidFill>
-                      <a:srgbClr val="CCCCCC"/>
-                    </a:solidFill>
-                  </a:tcPr>
-                </a:tc>
-                <a:tc>
-                  <a:txBody>
-                    <a:bodyPr/>
-                    <a:lstStyle/>
-                    <a:p>
-                      <a:pPr indent="0" lvl="0" marL="0" rtl="0" algn="l">
-                        <a:spcBef>
-                          <a:spcPts val="0"/>
-                        </a:spcBef>
-                        <a:spcAft>
-                          <a:spcPts val="0"/>
-                        </a:spcAft>
-                        <a:buNone/>
-                      </a:pPr>
-                      <a:r>
-                        <a:rPr lang="en"/>
-                        <a:t>Uses metrics like accuracy, mean squared error, and confusion matrices to assess and compare the performance of the implemented models</a:t>
                       </a:r>
                       <a:endParaRPr/>
                     </a:p>
@@ -8793,7 +9564,7 @@
             </a:pPr>
             <a:r>
               <a:rPr lang="en"/>
-              <a:t>Data / Results</a:t>
+              <a:t>Design / Methods</a:t>
             </a:r>
             <a:endParaRPr/>
           </a:p>
@@ -8814,13 +9585,13 @@
             <a:tbl>
               <a:tblPr>
                 <a:noFill/>
-                <a:tableStyleId>{70FD5F5E-C9D5-43EF-8E80-72D7C6BDD3A2}</a:tableStyleId>
+                <a:tableStyleId>{A69AAE71-73FB-41C1-B64A-8C24FD021372}</a:tableStyleId>
               </a:tblPr>
               <a:tblGrid>
                 <a:gridCol w="1865550"/>
                 <a:gridCol w="5373450"/>
               </a:tblGrid>
-              <a:tr h="956450">
+              <a:tr h="1212600">
                 <a:tc>
                   <a:txBody>
                     <a:bodyPr/>
@@ -8837,7 +9608,7 @@
                       </a:pPr>
                       <a:r>
                         <a:rPr lang="en"/>
-                        <a:t>Noise Generation for Various Noise Levels</a:t>
+                        <a:t>Performance Evaluation</a:t>
                       </a:r>
                       <a:endParaRPr/>
                     </a:p>
@@ -8889,36 +9660,18 @@
                     <a:bodyPr/>
                     <a:lstStyle/>
                     <a:p>
-                      <a:pPr indent="-317500" lvl="0" marL="457200" rtl="0" algn="l">
+                      <a:pPr indent="0" lvl="0" marL="0" rtl="0" algn="l">
                         <a:spcBef>
                           <a:spcPts val="0"/>
                         </a:spcBef>
                         <a:spcAft>
                           <a:spcPts val="0"/>
                         </a:spcAft>
-                        <a:buSzPts val="1400"/>
-                        <a:buChar char="●"/>
+                        <a:buNone/>
                       </a:pPr>
                       <a:r>
                         <a:rPr lang="en"/>
-                        <a:t>Simulated real-world imperfections from low (0.05) to high (0.75) noise levels.</a:t>
-                      </a:r>
-                      <a:endParaRPr/>
-                    </a:p>
-                    <a:p>
-                      <a:pPr indent="-317500" lvl="0" marL="457200" rtl="0" algn="l">
-                        <a:spcBef>
-                          <a:spcPts val="0"/>
-                        </a:spcBef>
-                        <a:spcAft>
-                          <a:spcPts val="0"/>
-                        </a:spcAft>
-                        <a:buSzPts val="1400"/>
-                        <a:buChar char="●"/>
-                      </a:pPr>
-                      <a:r>
-                        <a:rPr lang="en"/>
-                        <a:t>Tested models' adaptability to progressively harsher environments.</a:t>
+                        <a:t>Uses metrics like accuracy, mean squared error, and confusion matrices to assess and compare the performance of the implemented models</a:t>
                       </a:r>
                       <a:endParaRPr/>
                     </a:p>
@@ -8966,7 +9719,7 @@
                   </a:tcPr>
                 </a:tc>
               </a:tr>
-              <a:tr h="1247800">
+              <a:tr h="954800">
                 <a:tc>
                   <a:txBody>
                     <a:bodyPr/>
@@ -8983,16 +9736,30 @@
                       </a:pPr>
                       <a:r>
                         <a:rPr lang="en"/>
-                        <a:t>Convolutional Neural </a:t>
-                      </a:r>
-                      <a:r>
-                        <a:rPr lang="en"/>
-                        <a:t>Network</a:t>
+                        <a:t>DAE Image Reconstruction</a:t>
                       </a:r>
                       <a:endParaRPr/>
                     </a:p>
                   </a:txBody>
                   <a:tcPr marT="91425" marB="91425" marR="91425" marL="91425">
+                    <a:lnL cap="flat" cmpd="sng" w="9525">
+                      <a:solidFill>
+                        <a:srgbClr val="9E9E9E"/>
+                      </a:solidFill>
+                      <a:prstDash val="solid"/>
+                      <a:round/>
+                      <a:headEnd len="sm" w="sm" type="none"/>
+                      <a:tailEnd len="sm" w="sm" type="none"/>
+                    </a:lnL>
+                    <a:lnR cap="flat" cmpd="sng" w="9525">
+                      <a:solidFill>
+                        <a:srgbClr val="9E9E9E"/>
+                      </a:solidFill>
+                      <a:prstDash val="solid"/>
+                      <a:round/>
+                      <a:headEnd len="sm" w="sm" type="none"/>
+                      <a:tailEnd len="sm" w="sm" type="none"/>
+                    </a:lnR>
                     <a:lnT cap="flat" cmpd="sng" w="9525">
                       <a:solidFill>
                         <a:srgbClr val="9E9E9E"/>
@@ -9002,6 +9769,15 @@
                       <a:headEnd len="sm" w="sm" type="none"/>
                       <a:tailEnd len="sm" w="sm" type="none"/>
                     </a:lnT>
+                    <a:lnB cap="flat" cmpd="sng" w="9525">
+                      <a:solidFill>
+                        <a:srgbClr val="9E9E9E"/>
+                      </a:solidFill>
+                      <a:prstDash val="solid"/>
+                      <a:round/>
+                      <a:headEnd len="sm" w="sm" type="none"/>
+                      <a:tailEnd len="sm" w="sm" type="none"/>
+                    </a:lnB>
                     <a:solidFill>
                       <a:srgbClr val="CCCCCC"/>
                     </a:solidFill>
@@ -9024,7 +9800,7 @@
                       </a:pPr>
                       <a:r>
                         <a:rPr lang="en"/>
-                        <a:t>High accuracy maintained across noise levels: Training (99.56% to 93.88%), Validation (98.65% to 89.99%), Testing (98.99% to 97.74%).</a:t>
+                        <a:t>DAEs effectively reconstruct images when exposed to low noise levels, maintaining a low mean squared error (MSE) which indicates high fidelity to the original image.</a:t>
                       </a:r>
                       <a:endParaRPr/>
                     </a:p>
@@ -9041,12 +9817,12 @@
                       </a:pPr>
                       <a:r>
                         <a:rPr lang="en"/>
-                        <a:t>Slight performance dip at highest noise, indicating robust yet slightly declining resilience.</a:t>
+                        <a:t>High noise levels introduce complexities that DAE’s struggle to manage, resulting in less accurate reconstructions which may impact their utility in highly noisy environments.</a:t>
                       </a:r>
                       <a:endParaRPr/>
                     </a:p>
                     <a:p>
-                      <a:pPr indent="0" lvl="0" marL="0" rtl="0" algn="l">
+                      <a:pPr indent="0" lvl="0" marL="457200" rtl="0" algn="l">
                         <a:spcBef>
                           <a:spcPts val="0"/>
                         </a:spcBef>
@@ -9062,6 +9838,24 @@
                     </a:p>
                   </a:txBody>
                   <a:tcPr marT="91425" marB="91425" marR="91425" marL="91425">
+                    <a:lnL cap="flat" cmpd="sng" w="9525">
+                      <a:solidFill>
+                        <a:srgbClr val="9E9E9E"/>
+                      </a:solidFill>
+                      <a:prstDash val="solid"/>
+                      <a:round/>
+                      <a:headEnd len="sm" w="sm" type="none"/>
+                      <a:tailEnd len="sm" w="sm" type="none"/>
+                    </a:lnL>
+                    <a:lnR cap="flat" cmpd="sng" w="9525">
+                      <a:solidFill>
+                        <a:srgbClr val="9E9E9E"/>
+                      </a:solidFill>
+                      <a:prstDash val="solid"/>
+                      <a:round/>
+                      <a:headEnd len="sm" w="sm" type="none"/>
+                      <a:tailEnd len="sm" w="sm" type="none"/>
+                    </a:lnR>
                     <a:lnT cap="flat" cmpd="sng" w="9525">
                       <a:solidFill>
                         <a:srgbClr val="9E9E9E"/>
@@ -9071,82 +9865,17 @@
                       <a:headEnd len="sm" w="sm" type="none"/>
                       <a:tailEnd len="sm" w="sm" type="none"/>
                     </a:lnT>
+                    <a:lnB cap="flat" cmpd="sng" w="9525">
+                      <a:solidFill>
+                        <a:srgbClr val="9E9E9E"/>
+                      </a:solidFill>
+                      <a:prstDash val="solid"/>
+                      <a:round/>
+                      <a:headEnd len="sm" w="sm" type="none"/>
+                      <a:tailEnd len="sm" w="sm" type="none"/>
+                    </a:lnB>
                     <a:solidFill>
                       <a:srgbClr val="CCCCCC"/>
-                    </a:solidFill>
-                  </a:tcPr>
-                </a:tc>
-              </a:tr>
-              <a:tr h="800150">
-                <a:tc>
-                  <a:txBody>
-                    <a:bodyPr/>
-                    <a:lstStyle/>
-                    <a:p>
-                      <a:pPr indent="0" lvl="0" marL="0" rtl="0" algn="l">
-                        <a:spcBef>
-                          <a:spcPts val="0"/>
-                        </a:spcBef>
-                        <a:spcAft>
-                          <a:spcPts val="0"/>
-                        </a:spcAft>
-                        <a:buNone/>
-                      </a:pPr>
-                      <a:r>
-                        <a:rPr lang="en"/>
-                        <a:t>Denoising Autoencoder</a:t>
-                      </a:r>
-                      <a:endParaRPr/>
-                    </a:p>
-                  </a:txBody>
-                  <a:tcPr marT="91425" marB="91425" marR="91425" marL="91425">
-                    <a:solidFill>
-                      <a:srgbClr val="B7B7B7"/>
-                    </a:solidFill>
-                  </a:tcPr>
-                </a:tc>
-                <a:tc>
-                  <a:txBody>
-                    <a:bodyPr/>
-                    <a:lstStyle/>
-                    <a:p>
-                      <a:pPr indent="-317500" lvl="0" marL="457200" rtl="0" algn="l">
-                        <a:spcBef>
-                          <a:spcPts val="0"/>
-                        </a:spcBef>
-                        <a:spcAft>
-                          <a:spcPts val="0"/>
-                        </a:spcAft>
-                        <a:buSzPts val="1400"/>
-                        <a:buChar char="●"/>
-                      </a:pPr>
-                      <a:r>
-                        <a:rPr lang="en"/>
-                        <a:t>Increased MSE and losses with noise level: MSE from 0.0021 to 0.0249, highlighting reconstruction challenges.</a:t>
-                      </a:r>
-                      <a:endParaRPr/>
-                    </a:p>
-                    <a:p>
-                      <a:pPr indent="-317500" lvl="0" marL="457200" rtl="0" algn="l">
-                        <a:spcBef>
-                          <a:spcPts val="0"/>
-                        </a:spcBef>
-                        <a:spcAft>
-                          <a:spcPts val="0"/>
-                        </a:spcAft>
-                        <a:buSzPts val="1400"/>
-                        <a:buChar char="●"/>
-                      </a:pPr>
-                      <a:r>
-                        <a:rPr lang="en"/>
-                        <a:t>Effective at low noise but struggles significantly at high noise levels.</a:t>
-                      </a:r>
-                      <a:endParaRPr/>
-                    </a:p>
-                  </a:txBody>
-                  <a:tcPr marT="91425" marB="91425" marR="91425" marL="91425">
-                    <a:solidFill>
-                      <a:srgbClr val="B7B7B7"/>
                     </a:solidFill>
                   </a:tcPr>
                 </a:tc>
@@ -9214,6 +9943,662 @@
             </a:pPr>
             <a:r>
               <a:rPr lang="en"/>
+              <a:t>Data/ Results</a:t>
+            </a:r>
+            <a:endParaRPr/>
+          </a:p>
+        </p:txBody>
+      </p:sp>
+      <p:sp>
+        <p:nvSpPr>
+          <p:cNvPr id="95" name="Google Shape;95;p18"/>
+          <p:cNvSpPr txBox="1"/>
+          <p:nvPr>
+            <p:ph idx="1" type="body"/>
+          </p:nvPr>
+        </p:nvSpPr>
+        <p:spPr>
+          <a:xfrm>
+            <a:off x="311700" y="1505700"/>
+            <a:ext cx="3999900" cy="3076200"/>
+          </a:xfrm>
+          <a:prstGeom prst="rect">
+            <a:avLst/>
+          </a:prstGeom>
+        </p:spPr>
+        <p:txBody>
+          <a:bodyPr anchorCtr="0" anchor="t" bIns="91425" lIns="91425" spcFirstLastPara="1" rIns="91425" wrap="square" tIns="91425">
+            <a:normAutofit/>
+          </a:bodyPr>
+          <a:lstStyle/>
+          <a:p>
+            <a:pPr indent="0" lvl="0" marL="0" rtl="0" algn="l">
+              <a:lnSpc>
+                <a:spcPct val="100000"/>
+              </a:lnSpc>
+              <a:spcBef>
+                <a:spcPts val="0"/>
+              </a:spcBef>
+              <a:spcAft>
+                <a:spcPts val="0"/>
+              </a:spcAft>
+              <a:buNone/>
+            </a:pPr>
+            <a:r>
+              <a:rPr b="1" lang="en" sz="1700"/>
+              <a:t>Convolutional Neural Network</a:t>
+            </a:r>
+            <a:endParaRPr b="1" sz="1700"/>
+          </a:p>
+          <a:p>
+            <a:pPr indent="0" lvl="0" marL="0" rtl="0" algn="l">
+              <a:lnSpc>
+                <a:spcPct val="100000"/>
+              </a:lnSpc>
+              <a:spcBef>
+                <a:spcPts val="0"/>
+              </a:spcBef>
+              <a:spcAft>
+                <a:spcPts val="0"/>
+              </a:spcAft>
+              <a:buNone/>
+            </a:pPr>
+            <a:r>
+              <a:t/>
+            </a:r>
+            <a:endParaRPr b="1" sz="1700"/>
+          </a:p>
+          <a:p>
+            <a:pPr indent="-317500" lvl="0" marL="457200" rtl="0" algn="l">
+              <a:lnSpc>
+                <a:spcPct val="100000"/>
+              </a:lnSpc>
+              <a:spcBef>
+                <a:spcPts val="0"/>
+              </a:spcBef>
+              <a:spcAft>
+                <a:spcPts val="0"/>
+              </a:spcAft>
+              <a:buClr>
+                <a:srgbClr val="000000"/>
+              </a:buClr>
+              <a:buSzPts val="1400"/>
+              <a:buFont typeface="Arial"/>
+              <a:buChar char="●"/>
+            </a:pPr>
+            <a:r>
+              <a:rPr b="1" lang="en"/>
+              <a:t>High accuracy maintained across noise levels: </a:t>
+            </a:r>
+            <a:endParaRPr b="1"/>
+          </a:p>
+          <a:p>
+            <a:pPr indent="-311150" lvl="0" marL="457200" rtl="0" algn="l">
+              <a:lnSpc>
+                <a:spcPct val="100000"/>
+              </a:lnSpc>
+              <a:spcBef>
+                <a:spcPts val="0"/>
+              </a:spcBef>
+              <a:spcAft>
+                <a:spcPts val="0"/>
+              </a:spcAft>
+              <a:buSzPts val="1300"/>
+              <a:buChar char="-"/>
+            </a:pPr>
+            <a:r>
+              <a:rPr b="1" lang="en"/>
+              <a:t>Training (99.56% to 93.88%)</a:t>
+            </a:r>
+            <a:endParaRPr b="1"/>
+          </a:p>
+          <a:p>
+            <a:pPr indent="-311150" lvl="0" marL="457200" rtl="0" algn="l">
+              <a:lnSpc>
+                <a:spcPct val="100000"/>
+              </a:lnSpc>
+              <a:spcBef>
+                <a:spcPts val="0"/>
+              </a:spcBef>
+              <a:spcAft>
+                <a:spcPts val="0"/>
+              </a:spcAft>
+              <a:buSzPts val="1300"/>
+              <a:buChar char="-"/>
+            </a:pPr>
+            <a:r>
+              <a:rPr b="1" lang="en"/>
+              <a:t>Validation (98.65% to 89.99%)</a:t>
+            </a:r>
+            <a:endParaRPr b="1"/>
+          </a:p>
+          <a:p>
+            <a:pPr indent="-311150" lvl="0" marL="457200" rtl="0" algn="l">
+              <a:lnSpc>
+                <a:spcPct val="100000"/>
+              </a:lnSpc>
+              <a:spcBef>
+                <a:spcPts val="0"/>
+              </a:spcBef>
+              <a:spcAft>
+                <a:spcPts val="0"/>
+              </a:spcAft>
+              <a:buSzPts val="1300"/>
+              <a:buChar char="-"/>
+            </a:pPr>
+            <a:r>
+              <a:rPr b="1" lang="en"/>
+              <a:t>Testing (98.99% to 97.74%).</a:t>
+            </a:r>
+            <a:endParaRPr b="1"/>
+          </a:p>
+          <a:p>
+            <a:pPr indent="0" lvl="0" marL="914400" rtl="0" algn="l">
+              <a:lnSpc>
+                <a:spcPct val="100000"/>
+              </a:lnSpc>
+              <a:spcBef>
+                <a:spcPts val="0"/>
+              </a:spcBef>
+              <a:spcAft>
+                <a:spcPts val="0"/>
+              </a:spcAft>
+              <a:buNone/>
+            </a:pPr>
+            <a:r>
+              <a:t/>
+            </a:r>
+            <a:endParaRPr b="1"/>
+          </a:p>
+          <a:p>
+            <a:pPr indent="-317500" lvl="0" marL="457200" rtl="0" algn="l">
+              <a:lnSpc>
+                <a:spcPct val="100000"/>
+              </a:lnSpc>
+              <a:spcBef>
+                <a:spcPts val="0"/>
+              </a:spcBef>
+              <a:spcAft>
+                <a:spcPts val="0"/>
+              </a:spcAft>
+              <a:buClr>
+                <a:srgbClr val="000000"/>
+              </a:buClr>
+              <a:buSzPts val="1400"/>
+              <a:buFont typeface="Arial"/>
+              <a:buChar char="●"/>
+            </a:pPr>
+            <a:r>
+              <a:rPr b="1" lang="en"/>
+              <a:t>Slight performance dip at highest noise, indicating robust yet slightly declining resilience.</a:t>
+            </a:r>
+            <a:endParaRPr b="1"/>
+          </a:p>
+          <a:p>
+            <a:pPr indent="0" lvl="0" marL="0" rtl="0" algn="l">
+              <a:lnSpc>
+                <a:spcPct val="100000"/>
+              </a:lnSpc>
+              <a:spcBef>
+                <a:spcPts val="0"/>
+              </a:spcBef>
+              <a:spcAft>
+                <a:spcPts val="0"/>
+              </a:spcAft>
+              <a:buNone/>
+            </a:pPr>
+            <a:r>
+              <a:t/>
+            </a:r>
+            <a:endParaRPr/>
+          </a:p>
+          <a:p>
+            <a:pPr indent="0" lvl="0" marL="0" rtl="0" algn="l">
+              <a:spcBef>
+                <a:spcPts val="0"/>
+              </a:spcBef>
+              <a:spcAft>
+                <a:spcPts val="1200"/>
+              </a:spcAft>
+              <a:buNone/>
+            </a:pPr>
+            <a:r>
+              <a:t/>
+            </a:r>
+            <a:endParaRPr/>
+          </a:p>
+        </p:txBody>
+      </p:sp>
+      <p:pic>
+        <p:nvPicPr>
+          <p:cNvPr id="96" name="Google Shape;96;p18"/>
+          <p:cNvPicPr preferRelativeResize="0"/>
+          <p:nvPr/>
+        </p:nvPicPr>
+        <p:blipFill>
+          <a:blip r:embed="rId3">
+            <a:alphaModFix/>
+          </a:blip>
+          <a:stretch>
+            <a:fillRect/>
+          </a:stretch>
+        </p:blipFill>
+        <p:spPr>
+          <a:xfrm>
+            <a:off x="4399425" y="1922200"/>
+            <a:ext cx="4527600" cy="2243199"/>
+          </a:xfrm>
+          <a:prstGeom prst="rect">
+            <a:avLst/>
+          </a:prstGeom>
+          <a:noFill/>
+          <a:ln>
+            <a:noFill/>
+          </a:ln>
+        </p:spPr>
+      </p:pic>
+    </p:spTree>
+  </p:cSld>
+  <p:clrMapOvr>
+    <a:masterClrMapping/>
+  </p:clrMapOvr>
+</p:sld>
+</file>
+
+<file path=ppt/slides/slide7.xml><?xml version="1.0" encoding="utf-8"?>
+<p:sld xmlns:a="http://schemas.openxmlformats.org/drawingml/2006/main" xmlns:r="http://schemas.openxmlformats.org/officeDocument/2006/relationships" xmlns:mc="http://schemas.openxmlformats.org/markup-compatibility/2006" xmlns:mv="urn:schemas-microsoft-com:mac:vml" xmlns:p="http://schemas.openxmlformats.org/presentationml/2006/main" xmlns:c="http://schemas.openxmlformats.org/drawingml/2006/chart" xmlns:dgm="http://schemas.openxmlformats.org/drawingml/2006/diagram" xmlns:o="urn:schemas-microsoft-com:office:office" xmlns:v="urn:schemas-microsoft-com:vml" xmlns:pvml="urn:schemas-microsoft-com:office:powerpoint" xmlns:com="http://schemas.openxmlformats.org/drawingml/2006/compatibility" xmlns:p14="http://schemas.microsoft.com/office/powerpoint/2010/main" xmlns:p15="http://schemas.microsoft.com/office/powerpoint/2012/main" xmlns:ahyp="http://schemas.microsoft.com/office/drawing/2018/hyperlinkcolor">
+  <p:cSld>
+    <p:spTree>
+      <p:nvGrpSpPr>
+        <p:cNvPr id="100" name="Shape 100"/>
+        <p:cNvGrpSpPr/>
+        <p:nvPr/>
+      </p:nvGrpSpPr>
+      <p:grpSpPr>
+        <a:xfrm>
+          <a:off x="0" y="0"/>
+          <a:ext cx="0" cy="0"/>
+          <a:chOff x="0" y="0"/>
+          <a:chExt cx="0" cy="0"/>
+        </a:xfrm>
+      </p:grpSpPr>
+      <p:sp>
+        <p:nvSpPr>
+          <p:cNvPr id="101" name="Google Shape;101;p19"/>
+          <p:cNvSpPr txBox="1"/>
+          <p:nvPr>
+            <p:ph type="title"/>
+          </p:nvPr>
+        </p:nvSpPr>
+        <p:spPr>
+          <a:xfrm>
+            <a:off x="311725" y="500925"/>
+            <a:ext cx="8520600" cy="623700"/>
+          </a:xfrm>
+          <a:prstGeom prst="rect">
+            <a:avLst/>
+          </a:prstGeom>
+        </p:spPr>
+        <p:txBody>
+          <a:bodyPr anchorCtr="0" anchor="t" bIns="91425" lIns="91425" spcFirstLastPara="1" rIns="91425" wrap="square" tIns="91425">
+            <a:normAutofit/>
+          </a:bodyPr>
+          <a:lstStyle/>
+          <a:p>
+            <a:pPr indent="0" lvl="0" marL="0" rtl="0" algn="l">
+              <a:spcBef>
+                <a:spcPts val="0"/>
+              </a:spcBef>
+              <a:spcAft>
+                <a:spcPts val="0"/>
+              </a:spcAft>
+              <a:buNone/>
+            </a:pPr>
+            <a:r>
+              <a:rPr lang="en"/>
+              <a:t>Data / Results</a:t>
+            </a:r>
+            <a:endParaRPr/>
+          </a:p>
+        </p:txBody>
+      </p:sp>
+      <p:sp>
+        <p:nvSpPr>
+          <p:cNvPr id="102" name="Google Shape;102;p19"/>
+          <p:cNvSpPr txBox="1"/>
+          <p:nvPr>
+            <p:ph idx="1" type="body"/>
+          </p:nvPr>
+        </p:nvSpPr>
+        <p:spPr>
+          <a:xfrm>
+            <a:off x="311700" y="1505700"/>
+            <a:ext cx="3999900" cy="3416100"/>
+          </a:xfrm>
+          <a:prstGeom prst="rect">
+            <a:avLst/>
+          </a:prstGeom>
+        </p:spPr>
+        <p:txBody>
+          <a:bodyPr anchorCtr="0" anchor="t" bIns="91425" lIns="91425" spcFirstLastPara="1" rIns="91425" wrap="square" tIns="91425">
+            <a:normAutofit/>
+          </a:bodyPr>
+          <a:lstStyle/>
+          <a:p>
+            <a:pPr indent="0" lvl="0" marL="0" rtl="0" algn="l">
+              <a:lnSpc>
+                <a:spcPct val="100000"/>
+              </a:lnSpc>
+              <a:spcBef>
+                <a:spcPts val="0"/>
+              </a:spcBef>
+              <a:spcAft>
+                <a:spcPts val="0"/>
+              </a:spcAft>
+              <a:buNone/>
+            </a:pPr>
+            <a:r>
+              <a:rPr b="1" lang="en" sz="1700"/>
+              <a:t>Denoising Autoencoder</a:t>
+            </a:r>
+            <a:endParaRPr b="1" sz="1700"/>
+          </a:p>
+          <a:p>
+            <a:pPr indent="0" lvl="0" marL="0" rtl="0" algn="l">
+              <a:lnSpc>
+                <a:spcPct val="100000"/>
+              </a:lnSpc>
+              <a:spcBef>
+                <a:spcPts val="0"/>
+              </a:spcBef>
+              <a:spcAft>
+                <a:spcPts val="0"/>
+              </a:spcAft>
+              <a:buNone/>
+            </a:pPr>
+            <a:r>
+              <a:t/>
+            </a:r>
+            <a:endParaRPr b="1" sz="1700"/>
+          </a:p>
+          <a:p>
+            <a:pPr indent="-317500" lvl="0" marL="457200" rtl="0" algn="l">
+              <a:lnSpc>
+                <a:spcPct val="100000"/>
+              </a:lnSpc>
+              <a:spcBef>
+                <a:spcPts val="0"/>
+              </a:spcBef>
+              <a:spcAft>
+                <a:spcPts val="0"/>
+              </a:spcAft>
+              <a:buClr>
+                <a:srgbClr val="000000"/>
+              </a:buClr>
+              <a:buSzPts val="1400"/>
+              <a:buFont typeface="Arial"/>
+              <a:buChar char="●"/>
+            </a:pPr>
+            <a:r>
+              <a:rPr b="1" lang="en"/>
+              <a:t>Achieves low MSE rates (0.0021 to 0.0072) for noise levels up to 0.30, indicating strong initial denoising capabilities.</a:t>
+            </a:r>
+            <a:endParaRPr b="1"/>
+          </a:p>
+          <a:p>
+            <a:pPr indent="-317500" lvl="0" marL="457200" rtl="0" algn="l">
+              <a:lnSpc>
+                <a:spcPct val="100000"/>
+              </a:lnSpc>
+              <a:spcBef>
+                <a:spcPts val="0"/>
+              </a:spcBef>
+              <a:spcAft>
+                <a:spcPts val="0"/>
+              </a:spcAft>
+              <a:buClr>
+                <a:srgbClr val="000000"/>
+              </a:buClr>
+              <a:buSzPts val="1400"/>
+              <a:buFont typeface="Arial"/>
+              <a:buChar char="●"/>
+            </a:pPr>
+            <a:r>
+              <a:rPr b="1" lang="en"/>
+              <a:t>Maintains high classification accuracy, slightly tapering from 95.60% at noise level 0.05 to 95.16% at 0.30.</a:t>
+            </a:r>
+            <a:endParaRPr b="1"/>
+          </a:p>
+          <a:p>
+            <a:pPr indent="-317500" lvl="0" marL="457200" rtl="0" algn="l">
+              <a:lnSpc>
+                <a:spcPct val="100000"/>
+              </a:lnSpc>
+              <a:spcBef>
+                <a:spcPts val="0"/>
+              </a:spcBef>
+              <a:spcAft>
+                <a:spcPts val="0"/>
+              </a:spcAft>
+              <a:buClr>
+                <a:srgbClr val="000000"/>
+              </a:buClr>
+              <a:buSzPts val="1400"/>
+              <a:buFont typeface="Arial"/>
+              <a:buChar char="●"/>
+            </a:pPr>
+            <a:r>
+              <a:rPr b="1" lang="en"/>
+              <a:t>Significant increase in MSE and losses as noise levels rise, with MSE reaching 0.0249 at noise level 0.75.</a:t>
+            </a:r>
+            <a:endParaRPr b="1"/>
+          </a:p>
+          <a:p>
+            <a:pPr indent="-317500" lvl="0" marL="457200" rtl="0" algn="l">
+              <a:lnSpc>
+                <a:spcPct val="100000"/>
+              </a:lnSpc>
+              <a:spcBef>
+                <a:spcPts val="0"/>
+              </a:spcBef>
+              <a:spcAft>
+                <a:spcPts val="0"/>
+              </a:spcAft>
+              <a:buClr>
+                <a:srgbClr val="000000"/>
+              </a:buClr>
+              <a:buSzPts val="1400"/>
+              <a:buFont typeface="Arial"/>
+              <a:buChar char="●"/>
+            </a:pPr>
+            <a:r>
+              <a:rPr b="1" lang="en"/>
+              <a:t>Sharp decline in classification accuracy, dropping to 85.47% at noise level 0.75, highlighting challenges in severe noise conditions.</a:t>
+            </a:r>
+            <a:endParaRPr/>
+          </a:p>
+        </p:txBody>
+      </p:sp>
+      <p:pic>
+        <p:nvPicPr>
+          <p:cNvPr id="103" name="Google Shape;103;p19"/>
+          <p:cNvPicPr preferRelativeResize="0"/>
+          <p:nvPr/>
+        </p:nvPicPr>
+        <p:blipFill>
+          <a:blip r:embed="rId3">
+            <a:alphaModFix/>
+          </a:blip>
+          <a:stretch>
+            <a:fillRect/>
+          </a:stretch>
+        </p:blipFill>
+        <p:spPr>
+          <a:xfrm>
+            <a:off x="4453225" y="2223925"/>
+            <a:ext cx="4527600" cy="2173886"/>
+          </a:xfrm>
+          <a:prstGeom prst="rect">
+            <a:avLst/>
+          </a:prstGeom>
+          <a:noFill/>
+          <a:ln>
+            <a:noFill/>
+          </a:ln>
+        </p:spPr>
+      </p:pic>
+    </p:spTree>
+  </p:cSld>
+  <p:clrMapOvr>
+    <a:masterClrMapping/>
+  </p:clrMapOvr>
+</p:sld>
+</file>
+
+<file path=ppt/slides/slide8.xml><?xml version="1.0" encoding="utf-8"?>
+<p:sld xmlns:a="http://schemas.openxmlformats.org/drawingml/2006/main" xmlns:r="http://schemas.openxmlformats.org/officeDocument/2006/relationships" xmlns:mc="http://schemas.openxmlformats.org/markup-compatibility/2006" xmlns:mv="urn:schemas-microsoft-com:mac:vml" xmlns:p="http://schemas.openxmlformats.org/presentationml/2006/main" xmlns:c="http://schemas.openxmlformats.org/drawingml/2006/chart" xmlns:dgm="http://schemas.openxmlformats.org/drawingml/2006/diagram" xmlns:o="urn:schemas-microsoft-com:office:office" xmlns:v="urn:schemas-microsoft-com:vml" xmlns:pvml="urn:schemas-microsoft-com:office:powerpoint" xmlns:com="http://schemas.openxmlformats.org/drawingml/2006/compatibility" xmlns:p14="http://schemas.microsoft.com/office/powerpoint/2010/main" xmlns:p15="http://schemas.microsoft.com/office/powerpoint/2012/main" xmlns:ahyp="http://schemas.microsoft.com/office/drawing/2018/hyperlinkcolor">
+  <p:cSld>
+    <p:spTree>
+      <p:nvGrpSpPr>
+        <p:cNvPr id="107" name="Shape 107"/>
+        <p:cNvGrpSpPr/>
+        <p:nvPr/>
+      </p:nvGrpSpPr>
+      <p:grpSpPr>
+        <a:xfrm>
+          <a:off x="0" y="0"/>
+          <a:ext cx="0" cy="0"/>
+          <a:chOff x="0" y="0"/>
+          <a:chExt cx="0" cy="0"/>
+        </a:xfrm>
+      </p:grpSpPr>
+      <p:sp>
+        <p:nvSpPr>
+          <p:cNvPr id="108" name="Google Shape;108;p20"/>
+          <p:cNvSpPr txBox="1"/>
+          <p:nvPr>
+            <p:ph type="title"/>
+          </p:nvPr>
+        </p:nvSpPr>
+        <p:spPr>
+          <a:xfrm>
+            <a:off x="311725" y="500925"/>
+            <a:ext cx="8520600" cy="623700"/>
+          </a:xfrm>
+          <a:prstGeom prst="rect">
+            <a:avLst/>
+          </a:prstGeom>
+        </p:spPr>
+        <p:txBody>
+          <a:bodyPr anchorCtr="0" anchor="t" bIns="91425" lIns="91425" spcFirstLastPara="1" rIns="91425" wrap="square" tIns="91425">
+            <a:normAutofit/>
+          </a:bodyPr>
+          <a:lstStyle/>
+          <a:p>
+            <a:pPr indent="0" lvl="0" marL="0" rtl="0" algn="l">
+              <a:spcBef>
+                <a:spcPts val="0"/>
+              </a:spcBef>
+              <a:spcAft>
+                <a:spcPts val="0"/>
+              </a:spcAft>
+              <a:buNone/>
+            </a:pPr>
+            <a:r>
+              <a:rPr lang="en"/>
+              <a:t>Data / Results</a:t>
+            </a:r>
+            <a:endParaRPr/>
+          </a:p>
+        </p:txBody>
+      </p:sp>
+      <p:pic>
+        <p:nvPicPr>
+          <p:cNvPr id="109" name="Google Shape;109;p20"/>
+          <p:cNvPicPr preferRelativeResize="0"/>
+          <p:nvPr/>
+        </p:nvPicPr>
+        <p:blipFill>
+          <a:blip r:embed="rId3">
+            <a:alphaModFix/>
+          </a:blip>
+          <a:stretch>
+            <a:fillRect/>
+          </a:stretch>
+        </p:blipFill>
+        <p:spPr>
+          <a:xfrm>
+            <a:off x="1891513" y="1343325"/>
+            <a:ext cx="5360973" cy="3714074"/>
+          </a:xfrm>
+          <a:prstGeom prst="rect">
+            <a:avLst/>
+          </a:prstGeom>
+          <a:noFill/>
+          <a:ln>
+            <a:noFill/>
+          </a:ln>
+        </p:spPr>
+      </p:pic>
+    </p:spTree>
+  </p:cSld>
+  <p:clrMapOvr>
+    <a:masterClrMapping/>
+  </p:clrMapOvr>
+</p:sld>
+</file>
+
+<file path=ppt/slides/slide9.xml><?xml version="1.0" encoding="utf-8"?>
+<p:sld xmlns:a="http://schemas.openxmlformats.org/drawingml/2006/main" xmlns:r="http://schemas.openxmlformats.org/officeDocument/2006/relationships" xmlns:mc="http://schemas.openxmlformats.org/markup-compatibility/2006" xmlns:mv="urn:schemas-microsoft-com:mac:vml" xmlns:p="http://schemas.openxmlformats.org/presentationml/2006/main" xmlns:c="http://schemas.openxmlformats.org/drawingml/2006/chart" xmlns:dgm="http://schemas.openxmlformats.org/drawingml/2006/diagram" xmlns:o="urn:schemas-microsoft-com:office:office" xmlns:v="urn:schemas-microsoft-com:vml" xmlns:pvml="urn:schemas-microsoft-com:office:powerpoint" xmlns:com="http://schemas.openxmlformats.org/drawingml/2006/compatibility" xmlns:p14="http://schemas.microsoft.com/office/powerpoint/2010/main" xmlns:p15="http://schemas.microsoft.com/office/powerpoint/2012/main" xmlns:ahyp="http://schemas.microsoft.com/office/drawing/2018/hyperlinkcolor">
+  <p:cSld>
+    <p:spTree>
+      <p:nvGrpSpPr>
+        <p:cNvPr id="113" name="Shape 113"/>
+        <p:cNvGrpSpPr/>
+        <p:nvPr/>
+      </p:nvGrpSpPr>
+      <p:grpSpPr>
+        <a:xfrm>
+          <a:off x="0" y="0"/>
+          <a:ext cx="0" cy="0"/>
+          <a:chOff x="0" y="0"/>
+          <a:chExt cx="0" cy="0"/>
+        </a:xfrm>
+      </p:grpSpPr>
+      <p:sp>
+        <p:nvSpPr>
+          <p:cNvPr id="114" name="Google Shape;114;p21"/>
+          <p:cNvSpPr txBox="1"/>
+          <p:nvPr>
+            <p:ph type="title"/>
+          </p:nvPr>
+        </p:nvSpPr>
+        <p:spPr>
+          <a:xfrm>
+            <a:off x="311725" y="500925"/>
+            <a:ext cx="8520600" cy="623700"/>
+          </a:xfrm>
+          <a:prstGeom prst="rect">
+            <a:avLst/>
+          </a:prstGeom>
+        </p:spPr>
+        <p:txBody>
+          <a:bodyPr anchorCtr="0" anchor="t" bIns="91425" lIns="91425" spcFirstLastPara="1" rIns="91425" wrap="square" tIns="91425">
+            <a:normAutofit/>
+          </a:bodyPr>
+          <a:lstStyle/>
+          <a:p>
+            <a:pPr indent="0" lvl="0" marL="0" rtl="0" algn="l">
+              <a:spcBef>
+                <a:spcPts val="0"/>
+              </a:spcBef>
+              <a:spcAft>
+                <a:spcPts val="0"/>
+              </a:spcAft>
+              <a:buNone/>
+            </a:pPr>
+            <a:r>
+              <a:rPr lang="en"/>
               <a:t>Conclusion</a:t>
             </a:r>
             <a:endParaRPr/>
@@ -9222,7 +10607,7 @@
       </p:sp>
       <p:graphicFrame>
         <p:nvGraphicFramePr>
-          <p:cNvPr id="95" name="Google Shape;95;p18"/>
+          <p:cNvPr id="115" name="Google Shape;115;p21"/>
           <p:cNvGraphicFramePr/>
           <p:nvPr/>
         </p:nvGraphicFramePr>
@@ -9235,7 +10620,7 @@
             <a:tbl>
               <a:tblPr>
                 <a:noFill/>
-                <a:tableStyleId>{70FD5F5E-C9D5-43EF-8E80-72D7C6BDD3A2}</a:tableStyleId>
+                <a:tableStyleId>{A69AAE71-73FB-41C1-B64A-8C24FD021372}</a:tableStyleId>
               </a:tblPr>
               <a:tblGrid>
                 <a:gridCol w="7500800"/>
@@ -9395,459 +10780,6 @@
           </a:graphicData>
         </a:graphic>
       </p:graphicFrame>
-    </p:spTree>
-  </p:cSld>
-  <p:clrMapOvr>
-    <a:masterClrMapping/>
-  </p:clrMapOvr>
-</p:sld>
-</file>
-
-<file path=ppt/slides/slide7.xml><?xml version="1.0" encoding="utf-8"?>
-<p:sld xmlns:a="http://schemas.openxmlformats.org/drawingml/2006/main" xmlns:r="http://schemas.openxmlformats.org/officeDocument/2006/relationships" xmlns:mc="http://schemas.openxmlformats.org/markup-compatibility/2006" xmlns:mv="urn:schemas-microsoft-com:mac:vml" xmlns:p="http://schemas.openxmlformats.org/presentationml/2006/main" xmlns:c="http://schemas.openxmlformats.org/drawingml/2006/chart" xmlns:dgm="http://schemas.openxmlformats.org/drawingml/2006/diagram" xmlns:o="urn:schemas-microsoft-com:office:office" xmlns:v="urn:schemas-microsoft-com:vml" xmlns:pvml="urn:schemas-microsoft-com:office:powerpoint" xmlns:com="http://schemas.openxmlformats.org/drawingml/2006/compatibility" xmlns:p14="http://schemas.microsoft.com/office/powerpoint/2010/main" xmlns:p15="http://schemas.microsoft.com/office/powerpoint/2012/main" xmlns:ahyp="http://schemas.microsoft.com/office/drawing/2018/hyperlinkcolor">
-  <p:cSld>
-    <p:spTree>
-      <p:nvGrpSpPr>
-        <p:cNvPr id="99" name="Shape 99"/>
-        <p:cNvGrpSpPr/>
-        <p:nvPr/>
-      </p:nvGrpSpPr>
-      <p:grpSpPr>
-        <a:xfrm>
-          <a:off x="0" y="0"/>
-          <a:ext cx="0" cy="0"/>
-          <a:chOff x="0" y="0"/>
-          <a:chExt cx="0" cy="0"/>
-        </a:xfrm>
-      </p:grpSpPr>
-      <p:sp>
-        <p:nvSpPr>
-          <p:cNvPr id="100" name="Google Shape;100;p19"/>
-          <p:cNvSpPr txBox="1"/>
-          <p:nvPr>
-            <p:ph type="title"/>
-          </p:nvPr>
-        </p:nvSpPr>
-        <p:spPr>
-          <a:xfrm>
-            <a:off x="311725" y="500925"/>
-            <a:ext cx="8520600" cy="623700"/>
-          </a:xfrm>
-          <a:prstGeom prst="rect">
-            <a:avLst/>
-          </a:prstGeom>
-        </p:spPr>
-        <p:txBody>
-          <a:bodyPr anchorCtr="0" anchor="t" bIns="91425" lIns="91425" spcFirstLastPara="1" rIns="91425" wrap="square" tIns="91425">
-            <a:normAutofit/>
-          </a:bodyPr>
-          <a:lstStyle/>
-          <a:p>
-            <a:pPr indent="0" lvl="0" marL="0" rtl="0" algn="l">
-              <a:spcBef>
-                <a:spcPts val="0"/>
-              </a:spcBef>
-              <a:spcAft>
-                <a:spcPts val="0"/>
-              </a:spcAft>
-              <a:buNone/>
-            </a:pPr>
-            <a:r>
-              <a:rPr lang="en"/>
-              <a:t>Future Research</a:t>
-            </a:r>
-            <a:endParaRPr/>
-          </a:p>
-        </p:txBody>
-      </p:sp>
-      <p:graphicFrame>
-        <p:nvGraphicFramePr>
-          <p:cNvPr id="101" name="Google Shape;101;p19"/>
-          <p:cNvGraphicFramePr/>
-          <p:nvPr/>
-        </p:nvGraphicFramePr>
-        <p:xfrm>
-          <a:off x="952500" y="1473975"/>
-          <a:ext cx="3000000" cy="3000000"/>
-        </p:xfrm>
-        <a:graphic>
-          <a:graphicData uri="http://schemas.openxmlformats.org/drawingml/2006/table">
-            <a:tbl>
-              <a:tblPr>
-                <a:noFill/>
-                <a:tableStyleId>{70FD5F5E-C9D5-43EF-8E80-72D7C6BDD3A2}</a:tableStyleId>
-              </a:tblPr>
-              <a:tblGrid>
-                <a:gridCol w="7239000"/>
-              </a:tblGrid>
-              <a:tr h="347325">
-                <a:tc>
-                  <a:txBody>
-                    <a:bodyPr/>
-                    <a:lstStyle/>
-                    <a:p>
-                      <a:pPr indent="0" lvl="0" marL="0" rtl="0" algn="l">
-                        <a:spcBef>
-                          <a:spcPts val="0"/>
-                        </a:spcBef>
-                        <a:spcAft>
-                          <a:spcPts val="0"/>
-                        </a:spcAft>
-                        <a:buNone/>
-                      </a:pPr>
-                      <a:r>
-                        <a:rPr b="1" lang="en" sz="1300"/>
-                        <a:t>Enhancing DAEs:</a:t>
-                      </a:r>
-                      <a:r>
-                        <a:rPr lang="en" sz="1300"/>
-                        <a:t> Investigate advanced techniques to improve DAE performance in high noise environments, such as integrating more complex noise models or using hybrid systems.</a:t>
-                      </a:r>
-                      <a:endParaRPr sz="1300"/>
-                    </a:p>
-                  </a:txBody>
-                  <a:tcPr marT="91425" marB="91425" marR="91425" marL="91425">
-                    <a:solidFill>
-                      <a:srgbClr val="B7B7B7"/>
-                    </a:solidFill>
-                  </a:tcPr>
-                </a:tc>
-              </a:tr>
-              <a:tr h="347325">
-                <a:tc>
-                  <a:txBody>
-                    <a:bodyPr/>
-                    <a:lstStyle/>
-                    <a:p>
-                      <a:pPr indent="0" lvl="0" marL="0" rtl="0" algn="l">
-                        <a:spcBef>
-                          <a:spcPts val="0"/>
-                        </a:spcBef>
-                        <a:spcAft>
-                          <a:spcPts val="0"/>
-                        </a:spcAft>
-                        <a:buNone/>
-                      </a:pPr>
-                      <a:r>
-                        <a:rPr b="1" lang="en" sz="1300"/>
-                        <a:t>Robustness to Diverse Noises:</a:t>
-                      </a:r>
-                      <a:r>
-                        <a:rPr lang="en" sz="1300"/>
-                        <a:t> Extend research to include other types of real-world noise, like salt-and-pepper or speckle noise, to further test model resilience.</a:t>
-                      </a:r>
-                      <a:endParaRPr sz="1300"/>
-                    </a:p>
-                  </a:txBody>
-                  <a:tcPr marT="91425" marB="91425" marR="91425" marL="91425">
-                    <a:solidFill>
-                      <a:srgbClr val="CCCCCC"/>
-                    </a:solidFill>
-                  </a:tcPr>
-                </a:tc>
-              </a:tr>
-              <a:tr h="347325">
-                <a:tc>
-                  <a:txBody>
-                    <a:bodyPr/>
-                    <a:lstStyle/>
-                    <a:p>
-                      <a:pPr indent="0" lvl="0" marL="0" rtl="0" algn="l">
-                        <a:spcBef>
-                          <a:spcPts val="0"/>
-                        </a:spcBef>
-                        <a:spcAft>
-                          <a:spcPts val="0"/>
-                        </a:spcAft>
-                        <a:buNone/>
-                      </a:pPr>
-                      <a:r>
-                        <a:rPr b="1" lang="en" sz="1300"/>
-                        <a:t>CNN Adjustments:</a:t>
-                      </a:r>
-                      <a:r>
-                        <a:rPr lang="en" sz="1300"/>
-                        <a:t> Explore deeper architectures or adaptive noise filtering layers to further boost CNN resistance to noise.</a:t>
-                      </a:r>
-                      <a:endParaRPr sz="1300"/>
-                    </a:p>
-                  </a:txBody>
-                  <a:tcPr marT="91425" marB="91425" marR="91425" marL="91425">
-                    <a:solidFill>
-                      <a:srgbClr val="B7B7B7"/>
-                    </a:solidFill>
-                  </a:tcPr>
-                </a:tc>
-              </a:tr>
-              <a:tr h="347325">
-                <a:tc>
-                  <a:txBody>
-                    <a:bodyPr/>
-                    <a:lstStyle/>
-                    <a:p>
-                      <a:pPr indent="0" lvl="0" marL="0" rtl="0" algn="l">
-                        <a:spcBef>
-                          <a:spcPts val="0"/>
-                        </a:spcBef>
-                        <a:spcAft>
-                          <a:spcPts val="0"/>
-                        </a:spcAft>
-                        <a:buNone/>
-                      </a:pPr>
-                      <a:r>
-                        <a:rPr b="1" lang="en" sz="1300"/>
-                        <a:t>Hybrid Models:</a:t>
-                      </a:r>
-                      <a:r>
-                        <a:rPr lang="en" sz="1300"/>
-                        <a:t> Develop combined CNN-DAE models to utilize CNN's classification strength and DAE's denoising capabilities, potentially offering the best of both worlds.</a:t>
-                      </a:r>
-                      <a:endParaRPr sz="1300"/>
-                    </a:p>
-                  </a:txBody>
-                  <a:tcPr marT="91425" marB="91425" marR="91425" marL="91425">
-                    <a:solidFill>
-                      <a:srgbClr val="CCCCCC"/>
-                    </a:solidFill>
-                  </a:tcPr>
-                </a:tc>
-              </a:tr>
-              <a:tr h="347325">
-                <a:tc>
-                  <a:txBody>
-                    <a:bodyPr/>
-                    <a:lstStyle/>
-                    <a:p>
-                      <a:pPr indent="0" lvl="0" marL="0" rtl="0" algn="l">
-                        <a:spcBef>
-                          <a:spcPts val="0"/>
-                        </a:spcBef>
-                        <a:spcAft>
-                          <a:spcPts val="0"/>
-                        </a:spcAft>
-                        <a:buNone/>
-                      </a:pPr>
-                      <a:r>
-                        <a:rPr b="1" lang="en" sz="1300"/>
-                        <a:t>Data Augmentation:</a:t>
-                      </a:r>
-                      <a:r>
-                        <a:rPr lang="en" sz="1300"/>
-                        <a:t> Utilize more sophisticated data augmentation strategies to simulate a broader range of noise impacts during training.</a:t>
-                      </a:r>
-                      <a:endParaRPr sz="1300"/>
-                    </a:p>
-                  </a:txBody>
-                  <a:tcPr marT="91425" marB="91425" marR="91425" marL="91425">
-                    <a:solidFill>
-                      <a:srgbClr val="B7B7B7"/>
-                    </a:solidFill>
-                  </a:tcPr>
-                </a:tc>
-              </a:tr>
-              <a:tr h="347325">
-                <a:tc>
-                  <a:txBody>
-                    <a:bodyPr/>
-                    <a:lstStyle/>
-                    <a:p>
-                      <a:pPr indent="0" lvl="0" marL="0" rtl="0" algn="l">
-                        <a:spcBef>
-                          <a:spcPts val="0"/>
-                        </a:spcBef>
-                        <a:spcAft>
-                          <a:spcPts val="0"/>
-                        </a:spcAft>
-                        <a:buNone/>
-                      </a:pPr>
-                      <a:r>
-                        <a:rPr b="1" lang="en" sz="1300"/>
-                        <a:t>Algorithm Optimization:</a:t>
-                      </a:r>
-                      <a:r>
-                        <a:rPr lang="en" sz="1300"/>
-                        <a:t> Employ newer optimization algorithms that may provide more robust convergence in noisy environments.</a:t>
-                      </a:r>
-                      <a:endParaRPr sz="1300"/>
-                    </a:p>
-                  </a:txBody>
-                  <a:tcPr marT="91425" marB="91425" marR="91425" marL="91425">
-                    <a:solidFill>
-                      <a:srgbClr val="CCCCCC"/>
-                    </a:solidFill>
-                  </a:tcPr>
-                </a:tc>
-              </a:tr>
-            </a:tbl>
-          </a:graphicData>
-        </a:graphic>
-      </p:graphicFrame>
-    </p:spTree>
-  </p:cSld>
-  <p:clrMapOvr>
-    <a:masterClrMapping/>
-  </p:clrMapOvr>
-</p:sld>
-</file>
-
-<file path=ppt/slides/slide8.xml><?xml version="1.0" encoding="utf-8"?>
-<p:sld xmlns:a="http://schemas.openxmlformats.org/drawingml/2006/main" xmlns:r="http://schemas.openxmlformats.org/officeDocument/2006/relationships" xmlns:mc="http://schemas.openxmlformats.org/markup-compatibility/2006" xmlns:mv="urn:schemas-microsoft-com:mac:vml" xmlns:p="http://schemas.openxmlformats.org/presentationml/2006/main" xmlns:c="http://schemas.openxmlformats.org/drawingml/2006/chart" xmlns:dgm="http://schemas.openxmlformats.org/drawingml/2006/diagram" xmlns:o="urn:schemas-microsoft-com:office:office" xmlns:v="urn:schemas-microsoft-com:vml" xmlns:pvml="urn:schemas-microsoft-com:office:powerpoint" xmlns:com="http://schemas.openxmlformats.org/drawingml/2006/compatibility" xmlns:p14="http://schemas.microsoft.com/office/powerpoint/2010/main" xmlns:p15="http://schemas.microsoft.com/office/powerpoint/2012/main" xmlns:ahyp="http://schemas.microsoft.com/office/drawing/2018/hyperlinkcolor">
-  <p:cSld>
-    <p:spTree>
-      <p:nvGrpSpPr>
-        <p:cNvPr id="105" name="Shape 105"/>
-        <p:cNvGrpSpPr/>
-        <p:nvPr/>
-      </p:nvGrpSpPr>
-      <p:grpSpPr>
-        <a:xfrm>
-          <a:off x="0" y="0"/>
-          <a:ext cx="0" cy="0"/>
-          <a:chOff x="0" y="0"/>
-          <a:chExt cx="0" cy="0"/>
-        </a:xfrm>
-      </p:grpSpPr>
-      <p:sp>
-        <p:nvSpPr>
-          <p:cNvPr id="106" name="Google Shape;106;p20"/>
-          <p:cNvSpPr txBox="1"/>
-          <p:nvPr>
-            <p:ph type="title"/>
-          </p:nvPr>
-        </p:nvSpPr>
-        <p:spPr>
-          <a:xfrm>
-            <a:off x="311725" y="500925"/>
-            <a:ext cx="8520600" cy="623700"/>
-          </a:xfrm>
-          <a:prstGeom prst="rect">
-            <a:avLst/>
-          </a:prstGeom>
-        </p:spPr>
-        <p:txBody>
-          <a:bodyPr anchorCtr="0" anchor="t" bIns="91425" lIns="91425" spcFirstLastPara="1" rIns="91425" wrap="square" tIns="91425">
-            <a:normAutofit/>
-          </a:bodyPr>
-          <a:lstStyle/>
-          <a:p>
-            <a:pPr indent="0" lvl="0" marL="0" rtl="0" algn="l">
-              <a:spcBef>
-                <a:spcPts val="0"/>
-              </a:spcBef>
-              <a:spcAft>
-                <a:spcPts val="0"/>
-              </a:spcAft>
-              <a:buNone/>
-            </a:pPr>
-            <a:r>
-              <a:rPr lang="en"/>
-              <a:t>Questions?</a:t>
-            </a:r>
-            <a:endParaRPr/>
-          </a:p>
-        </p:txBody>
-      </p:sp>
-      <p:pic>
-        <p:nvPicPr>
-          <p:cNvPr id="107" name="Google Shape;107;p20"/>
-          <p:cNvPicPr preferRelativeResize="0"/>
-          <p:nvPr/>
-        </p:nvPicPr>
-        <p:blipFill>
-          <a:blip r:embed="rId3">
-            <a:alphaModFix/>
-          </a:blip>
-          <a:stretch>
-            <a:fillRect/>
-          </a:stretch>
-        </p:blipFill>
-        <p:spPr>
-          <a:xfrm>
-            <a:off x="1585475" y="1738575"/>
-            <a:ext cx="5647701" cy="2763600"/>
-          </a:xfrm>
-          <a:prstGeom prst="rect">
-            <a:avLst/>
-          </a:prstGeom>
-          <a:noFill/>
-          <a:ln>
-            <a:noFill/>
-          </a:ln>
-        </p:spPr>
-      </p:pic>
-    </p:spTree>
-  </p:cSld>
-  <p:clrMapOvr>
-    <a:masterClrMapping/>
-  </p:clrMapOvr>
-</p:sld>
-</file>
-
-<file path=ppt/slides/slide9.xml><?xml version="1.0" encoding="utf-8"?>
-<p:sld xmlns:a="http://schemas.openxmlformats.org/drawingml/2006/main" xmlns:r="http://schemas.openxmlformats.org/officeDocument/2006/relationships" xmlns:mc="http://schemas.openxmlformats.org/markup-compatibility/2006" xmlns:mv="urn:schemas-microsoft-com:mac:vml" xmlns:p="http://schemas.openxmlformats.org/presentationml/2006/main" xmlns:c="http://schemas.openxmlformats.org/drawingml/2006/chart" xmlns:dgm="http://schemas.openxmlformats.org/drawingml/2006/diagram" xmlns:o="urn:schemas-microsoft-com:office:office" xmlns:v="urn:schemas-microsoft-com:vml" xmlns:pvml="urn:schemas-microsoft-com:office:powerpoint" xmlns:com="http://schemas.openxmlformats.org/drawingml/2006/compatibility" xmlns:p14="http://schemas.microsoft.com/office/powerpoint/2010/main" xmlns:p15="http://schemas.microsoft.com/office/powerpoint/2012/main" xmlns:ahyp="http://schemas.microsoft.com/office/drawing/2018/hyperlinkcolor">
-  <p:cSld>
-    <p:spTree>
-      <p:nvGrpSpPr>
-        <p:cNvPr id="111" name="Shape 111"/>
-        <p:cNvGrpSpPr/>
-        <p:nvPr/>
-      </p:nvGrpSpPr>
-      <p:grpSpPr>
-        <a:xfrm>
-          <a:off x="0" y="0"/>
-          <a:ext cx="0" cy="0"/>
-          <a:chOff x="0" y="0"/>
-          <a:chExt cx="0" cy="0"/>
-        </a:xfrm>
-      </p:grpSpPr>
-      <p:sp>
-        <p:nvSpPr>
-          <p:cNvPr id="112" name="Google Shape;112;p21"/>
-          <p:cNvSpPr txBox="1"/>
-          <p:nvPr>
-            <p:ph idx="1" type="body"/>
-          </p:nvPr>
-        </p:nvSpPr>
-        <p:spPr>
-          <a:xfrm>
-            <a:off x="389525" y="1865875"/>
-            <a:ext cx="8382600" cy="3012900"/>
-          </a:xfrm>
-          <a:prstGeom prst="rect">
-            <a:avLst/>
-          </a:prstGeom>
-        </p:spPr>
-        <p:txBody>
-          <a:bodyPr anchorCtr="0" anchor="t" bIns="91425" lIns="91425" spcFirstLastPara="1" rIns="91425" wrap="square" tIns="91425">
-            <a:normAutofit/>
-          </a:bodyPr>
-          <a:lstStyle/>
-          <a:p>
-            <a:pPr indent="0" lvl="0" marL="0" rtl="0" algn="ctr">
-              <a:spcBef>
-                <a:spcPts val="0"/>
-              </a:spcBef>
-              <a:spcAft>
-                <a:spcPts val="1200"/>
-              </a:spcAft>
-              <a:buNone/>
-            </a:pPr>
-            <a:r>
-              <a:rPr lang="en" sz="5000">
-                <a:solidFill>
-                  <a:schemeClr val="lt1"/>
-                </a:solidFill>
-              </a:rPr>
-              <a:t>Thank You</a:t>
-            </a:r>
-            <a:endParaRPr sz="5000">
-              <a:solidFill>
-                <a:schemeClr val="lt1"/>
-              </a:solidFill>
-            </a:endParaRPr>
-          </a:p>
-        </p:txBody>
-      </p:sp>
     </p:spTree>
   </p:cSld>
   <p:clrMapOvr>
